--- a/Complimentary Course Content/Module3/Lessons/Module3_Lesson09 Cross-Platform User Interfaces with Xamarin.Forms.pptx
+++ b/Complimentary Course Content/Module3/Lessons/Module3_Lesson09 Cross-Platform User Interfaces with Xamarin.Forms.pptx
@@ -150,7 +150,7 @@
   </p:defaultTextStyle>
   <p:extLst>
     <p:ext uri="{EFAFB233-063F-42B5-8137-9DF3F51BA10A}">
-      <p15:sldGuideLst xmlns:p15="http://schemas.microsoft.com/office/powerpoint/2012/main" xmlns="">
+      <p15:sldGuideLst xmlns="" xmlns:p15="http://schemas.microsoft.com/office/powerpoint/2012/main">
         <p15:guide id="1" orient="horz" pos="2160">
           <p15:clr>
             <a:srgbClr val="A4A3A4"/>
@@ -259,7 +259,7 @@
           <a:p>
             <a:fld id="{49B60EF2-7028-489F-85D8-FE86CD7CF2A0}" type="datetimeFigureOut">
               <a:rPr lang="en-US" smtClean="0"/>
-              <a:t>6/28/16</a:t>
+              <a:t>6/30/16</a:t>
             </a:fld>
             <a:endParaRPr lang="en-US"/>
           </a:p>
@@ -7337,7 +7337,7 @@
           <a:p>
             <a:fld id="{0459C166-16D3-4A25-A2F8-C51E0E346B22}" type="datetimeFigureOut">
               <a:rPr lang="en-US" smtClean="0"/>
-              <a:t>6/28/16</a:t>
+              <a:t>6/30/16</a:t>
             </a:fld>
             <a:endParaRPr lang="en-US"/>
           </a:p>
@@ -7701,7 +7701,7 @@
           <a:p>
             <a:fld id="{0459C166-16D3-4A25-A2F8-C51E0E346B22}" type="datetimeFigureOut">
               <a:rPr lang="en-US" smtClean="0"/>
-              <a:t>6/28/16</a:t>
+              <a:t>6/30/16</a:t>
             </a:fld>
             <a:endParaRPr lang="en-US"/>
           </a:p>
@@ -7818,7 +7818,7 @@
           <a:p>
             <a:fld id="{0459C166-16D3-4A25-A2F8-C51E0E346B22}" type="datetimeFigureOut">
               <a:rPr lang="en-US" smtClean="0"/>
-              <a:t>6/28/16</a:t>
+              <a:t>6/30/16</a:t>
             </a:fld>
             <a:endParaRPr lang="en-US"/>
           </a:p>
@@ -7913,7 +7913,7 @@
           <a:p>
             <a:fld id="{0459C166-16D3-4A25-A2F8-C51E0E346B22}" type="datetimeFigureOut">
               <a:rPr lang="en-US" smtClean="0"/>
-              <a:t>6/28/16</a:t>
+              <a:t>6/30/16</a:t>
             </a:fld>
             <a:endParaRPr lang="en-US"/>
           </a:p>
@@ -8188,7 +8188,7 @@
           <a:p>
             <a:fld id="{0459C166-16D3-4A25-A2F8-C51E0E346B22}" type="datetimeFigureOut">
               <a:rPr lang="en-US" smtClean="0"/>
-              <a:t>6/28/16</a:t>
+              <a:t>6/30/16</a:t>
             </a:fld>
             <a:endParaRPr lang="en-US"/>
           </a:p>
@@ -8440,7 +8440,7 @@
           <a:p>
             <a:fld id="{0459C166-16D3-4A25-A2F8-C51E0E346B22}" type="datetimeFigureOut">
               <a:rPr lang="en-US" smtClean="0"/>
-              <a:t>6/28/16</a:t>
+              <a:t>6/30/16</a:t>
             </a:fld>
             <a:endParaRPr lang="en-US"/>
           </a:p>
@@ -8608,7 +8608,7 @@
           <a:p>
             <a:fld id="{0459C166-16D3-4A25-A2F8-C51E0E346B22}" type="datetimeFigureOut">
               <a:rPr lang="en-US" smtClean="0"/>
-              <a:t>6/28/16</a:t>
+              <a:t>6/30/16</a:t>
             </a:fld>
             <a:endParaRPr lang="en-US"/>
           </a:p>
@@ -8786,7 +8786,7 @@
           <a:p>
             <a:fld id="{0459C166-16D3-4A25-A2F8-C51E0E346B22}" type="datetimeFigureOut">
               <a:rPr lang="en-US" smtClean="0"/>
-              <a:t>6/28/16</a:t>
+              <a:t>6/30/16</a:t>
             </a:fld>
             <a:endParaRPr lang="en-US"/>
           </a:p>
@@ -9669,7 +9669,7 @@
           <a:p>
             <a:fld id="{0459C166-16D3-4A25-A2F8-C51E0E346B22}" type="datetimeFigureOut">
               <a:rPr lang="en-US" smtClean="0"/>
-              <a:t>6/28/16</a:t>
+              <a:t>6/30/16</a:t>
             </a:fld>
             <a:endParaRPr lang="en-US"/>
           </a:p>
@@ -15200,7 +15200,7 @@
             <a:fld id="{0459C166-16D3-4A25-A2F8-C51E0E346B22}" type="datetimeFigureOut">
               <a:rPr lang="en-US" smtClean="0"/>
               <a:pPr/>
-              <a:t>6/28/16</a:t>
+              <a:t>6/30/16</a:t>
             </a:fld>
             <a:endParaRPr lang="en-US"/>
           </a:p>
@@ -19555,7 +19555,7 @@
                 <a:latin typeface="Segoe UI"/>
               </a:rPr>
               <a:pPr/>
-              <a:t>6/28/16</a:t>
+              <a:t>6/30/16</a:t>
             </a:fld>
             <a:endParaRPr lang="en-US">
               <a:solidFill>
@@ -19760,7 +19760,7 @@
                 <a:latin typeface="Segoe UI"/>
               </a:rPr>
               <a:pPr/>
-              <a:t>6/28/16</a:t>
+              <a:t>6/30/16</a:t>
             </a:fld>
             <a:endParaRPr lang="en-US">
               <a:solidFill>
@@ -20242,7 +20242,7 @@
                 <a:latin typeface="Segoe UI"/>
               </a:rPr>
               <a:pPr/>
-              <a:t>6/28/16</a:t>
+              <a:t>6/30/16</a:t>
             </a:fld>
             <a:endParaRPr lang="en-US">
               <a:solidFill>
@@ -20516,7 +20516,7 @@
                 <a:latin typeface="Segoe UI"/>
               </a:rPr>
               <a:pPr/>
-              <a:t>6/28/16</a:t>
+              <a:t>6/30/16</a:t>
             </a:fld>
             <a:endParaRPr lang="en-US">
               <a:solidFill>
@@ -20917,7 +20917,7 @@
                 <a:latin typeface="Segoe UI"/>
               </a:rPr>
               <a:pPr/>
-              <a:t>6/28/16</a:t>
+              <a:t>6/30/16</a:t>
             </a:fld>
             <a:endParaRPr lang="en-US">
               <a:solidFill>
@@ -21071,7 +21071,7 @@
                 <a:latin typeface="Segoe UI"/>
               </a:rPr>
               <a:pPr/>
-              <a:t>6/28/16</a:t>
+              <a:t>6/30/16</a:t>
             </a:fld>
             <a:endParaRPr lang="en-US">
               <a:solidFill>
@@ -21203,7 +21203,7 @@
                 <a:latin typeface="Segoe UI"/>
               </a:rPr>
               <a:pPr/>
-              <a:t>6/28/16</a:t>
+              <a:t>6/30/16</a:t>
             </a:fld>
             <a:endParaRPr lang="en-US">
               <a:solidFill>
@@ -21515,7 +21515,7 @@
                 <a:latin typeface="Segoe UI"/>
               </a:rPr>
               <a:pPr/>
-              <a:t>6/28/16</a:t>
+              <a:t>6/30/16</a:t>
             </a:fld>
             <a:endParaRPr lang="en-US">
               <a:solidFill>
@@ -21804,7 +21804,7 @@
                 <a:latin typeface="Segoe UI"/>
               </a:rPr>
               <a:pPr/>
-              <a:t>6/28/16</a:t>
+              <a:t>6/30/16</a:t>
             </a:fld>
             <a:endParaRPr lang="en-US">
               <a:solidFill>
@@ -22009,7 +22009,7 @@
                 <a:latin typeface="Segoe UI"/>
               </a:rPr>
               <a:pPr/>
-              <a:t>6/28/16</a:t>
+              <a:t>6/30/16</a:t>
             </a:fld>
             <a:endParaRPr lang="en-US">
               <a:solidFill>
@@ -22224,7 +22224,7 @@
                 <a:latin typeface="Segoe UI"/>
               </a:rPr>
               <a:pPr/>
-              <a:t>6/28/16</a:t>
+              <a:t>6/30/16</a:t>
             </a:fld>
             <a:endParaRPr lang="en-US">
               <a:solidFill>
@@ -22552,7 +22552,7 @@
           <a:p>
             <a:fld id="{0459C166-16D3-4A25-A2F8-C51E0E346B22}" type="datetimeFigureOut">
               <a:rPr lang="en-US" smtClean="0"/>
-              <a:t>6/28/16</a:t>
+              <a:t>6/30/16</a:t>
             </a:fld>
             <a:endParaRPr lang="en-US"/>
           </a:p>
@@ -23042,7 +23042,7 @@
                 <a:latin typeface="Segoe UI"/>
               </a:rPr>
               <a:pPr/>
-              <a:t>6/28/16</a:t>
+              <a:t>6/30/16</a:t>
             </a:fld>
             <a:endParaRPr lang="en-US">
               <a:solidFill>
@@ -23247,7 +23247,7 @@
                 <a:latin typeface="Segoe UI"/>
               </a:rPr>
               <a:pPr/>
-              <a:t>6/28/16</a:t>
+              <a:t>6/30/16</a:t>
             </a:fld>
             <a:endParaRPr lang="en-US">
               <a:solidFill>
@@ -23547,7 +23547,7 @@
                 <a:latin typeface="Segoe UI"/>
               </a:rPr>
               <a:pPr/>
-              <a:t>6/28/16</a:t>
+              <a:t>6/30/16</a:t>
             </a:fld>
             <a:endParaRPr lang="en-US">
               <a:solidFill>
@@ -23821,7 +23821,7 @@
                 <a:latin typeface="Segoe UI"/>
               </a:rPr>
               <a:pPr/>
-              <a:t>6/28/16</a:t>
+              <a:t>6/30/16</a:t>
             </a:fld>
             <a:endParaRPr lang="en-US">
               <a:solidFill>
@@ -24222,7 +24222,7 @@
                 <a:latin typeface="Segoe UI"/>
               </a:rPr>
               <a:pPr/>
-              <a:t>6/28/16</a:t>
+              <a:t>6/30/16</a:t>
             </a:fld>
             <a:endParaRPr lang="en-US">
               <a:solidFill>
@@ -24376,7 +24376,7 @@
                 <a:latin typeface="Segoe UI"/>
               </a:rPr>
               <a:pPr/>
-              <a:t>6/28/16</a:t>
+              <a:t>6/30/16</a:t>
             </a:fld>
             <a:endParaRPr lang="en-US">
               <a:solidFill>
@@ -24508,7 +24508,7 @@
                 <a:latin typeface="Segoe UI"/>
               </a:rPr>
               <a:pPr/>
-              <a:t>6/28/16</a:t>
+              <a:t>6/30/16</a:t>
             </a:fld>
             <a:endParaRPr lang="en-US">
               <a:solidFill>
@@ -24820,7 +24820,7 @@
                 <a:latin typeface="Segoe UI"/>
               </a:rPr>
               <a:pPr/>
-              <a:t>6/28/16</a:t>
+              <a:t>6/30/16</a:t>
             </a:fld>
             <a:endParaRPr lang="en-US">
               <a:solidFill>
@@ -25109,7 +25109,7 @@
                 <a:latin typeface="Segoe UI"/>
               </a:rPr>
               <a:pPr/>
-              <a:t>6/28/16</a:t>
+              <a:t>6/30/16</a:t>
             </a:fld>
             <a:endParaRPr lang="en-US">
               <a:solidFill>
@@ -25314,7 +25314,7 @@
                 <a:latin typeface="Segoe UI"/>
               </a:rPr>
               <a:pPr/>
-              <a:t>6/28/16</a:t>
+              <a:t>6/30/16</a:t>
             </a:fld>
             <a:endParaRPr lang="en-US">
               <a:solidFill>
@@ -25461,7 +25461,7 @@
           <a:p>
             <a:fld id="{0459C166-16D3-4A25-A2F8-C51E0E346B22}" type="datetimeFigureOut">
               <a:rPr lang="en-US" smtClean="0"/>
-              <a:t>6/28/16</a:t>
+              <a:t>6/30/16</a:t>
             </a:fld>
             <a:endParaRPr lang="en-US"/>
           </a:p>
@@ -25921,7 +25921,7 @@
                 <a:latin typeface="Segoe UI"/>
               </a:rPr>
               <a:pPr/>
-              <a:t>6/28/16</a:t>
+              <a:t>6/30/16</a:t>
             </a:fld>
             <a:endParaRPr lang="en-US">
               <a:solidFill>
@@ -26637,7 +26637,7 @@
           <a:p>
             <a:fld id="{0459C166-16D3-4A25-A2F8-C51E0E346B22}" type="datetimeFigureOut">
               <a:rPr lang="en-US" smtClean="0"/>
-              <a:t>6/28/16</a:t>
+              <a:t>6/30/16</a:t>
             </a:fld>
             <a:endParaRPr lang="en-US"/>
           </a:p>
@@ -26848,7 +26848,7 @@
           <a:p>
             <a:fld id="{0459C166-16D3-4A25-A2F8-C51E0E346B22}" type="datetimeFigureOut">
               <a:rPr lang="en-US" smtClean="0"/>
-              <a:t>6/28/16</a:t>
+              <a:t>6/30/16</a:t>
             </a:fld>
             <a:endParaRPr lang="en-US"/>
           </a:p>
@@ -27882,7 +27882,7 @@
                 <a:latin typeface="Segoe UI"/>
               </a:rPr>
               <a:pPr/>
-              <a:t>6/28/16</a:t>
+              <a:t>6/30/16</a:t>
             </a:fld>
             <a:endParaRPr lang="en-US">
               <a:solidFill>
@@ -28458,7 +28458,7 @@
                 <a:latin typeface="Segoe UI"/>
               </a:rPr>
               <a:pPr/>
-              <a:t>6/28/16</a:t>
+              <a:t>6/30/16</a:t>
             </a:fld>
             <a:endParaRPr lang="en-US">
               <a:solidFill>
@@ -36811,7 +36811,7 @@
           <p:nvPr>
             <p:extLst>
               <p:ext uri="{D42A27DB-BD31-4B8C-83A1-F6EECF244321}">
-                <p14:modId xmlns:p14="http://schemas.microsoft.com/office/powerpoint/2010/main" val="4123380376"/>
+                <p14:modId xmlns:p14="http://schemas.microsoft.com/office/powerpoint/2010/main" val="466210203"/>
               </p:ext>
             </p:extLst>
           </p:nvPr>
@@ -36830,14 +36830,14 @@
                 <a:gridCol w="5533314">
                   <a:extLst>
                     <a:ext uri="{9D8B030D-6E8A-4147-A177-3AD203B41FA5}">
-                      <a16:colId xmlns:a16="http://schemas.microsoft.com/office/drawing/2014/main" xmlns="" val="48614039"/>
+                      <a16:colId xmlns="" xmlns:a16="http://schemas.microsoft.com/office/drawing/2014/main" val="48614039"/>
                     </a:ext>
                   </a:extLst>
                 </a:gridCol>
                 <a:gridCol w="5533314">
                   <a:extLst>
                     <a:ext uri="{9D8B030D-6E8A-4147-A177-3AD203B41FA5}">
-                      <a16:colId xmlns:a16="http://schemas.microsoft.com/office/drawing/2014/main" xmlns="" val="1124546490"/>
+                      <a16:colId xmlns="" xmlns:a16="http://schemas.microsoft.com/office/drawing/2014/main" val="1124546490"/>
                     </a:ext>
                   </a:extLst>
                 </a:gridCol>
@@ -36850,7 +36850,7 @@
                     <a:p>
                       <a:pPr algn="ctr"/>
                       <a:r>
-                        <a:rPr lang="en-US" b="0" dirty="0">
+                        <a:rPr lang="en-US" b="1" dirty="0">
                           <a:solidFill>
                             <a:schemeClr val="bg1"/>
                           </a:solidFill>
@@ -36889,7 +36889,7 @@
                 </a:tc>
                 <a:extLst>
                   <a:ext uri="{0D108BD9-81ED-4DB2-BD59-A6C34878D82A}">
-                    <a16:rowId xmlns:a16="http://schemas.microsoft.com/office/drawing/2014/main" xmlns="" val="679667022"/>
+                    <a16:rowId xmlns="" xmlns:a16="http://schemas.microsoft.com/office/drawing/2014/main" val="679667022"/>
                   </a:ext>
                 </a:extLst>
               </a:tr>
@@ -36901,7 +36901,7 @@
                     <a:p>
                       <a:pPr algn="ctr"/>
                       <a:r>
-                        <a:rPr lang="en-US" dirty="0"/>
+                        <a:rPr lang="en-US" b="1" dirty="0"/>
                         <a:t>Page</a:t>
                       </a:r>
                     </a:p>
@@ -36936,7 +36936,7 @@
                 </a:tc>
                 <a:extLst>
                   <a:ext uri="{0D108BD9-81ED-4DB2-BD59-A6C34878D82A}">
-                    <a16:rowId xmlns:a16="http://schemas.microsoft.com/office/drawing/2014/main" xmlns="" val="2034482246"/>
+                    <a16:rowId xmlns="" xmlns:a16="http://schemas.microsoft.com/office/drawing/2014/main" val="2034482246"/>
                   </a:ext>
                 </a:extLst>
               </a:tr>
@@ -36948,7 +36948,7 @@
                     <a:p>
                       <a:pPr algn="ctr"/>
                       <a:r>
-                        <a:rPr lang="en-US" dirty="0"/>
+                        <a:rPr lang="en-US" b="1" dirty="0"/>
                         <a:t>Layout</a:t>
                       </a:r>
                     </a:p>
@@ -36988,7 +36988,7 @@
                 </a:tc>
                 <a:extLst>
                   <a:ext uri="{0D108BD9-81ED-4DB2-BD59-A6C34878D82A}">
-                    <a16:rowId xmlns:a16="http://schemas.microsoft.com/office/drawing/2014/main" xmlns="" val="682465758"/>
+                    <a16:rowId xmlns="" xmlns:a16="http://schemas.microsoft.com/office/drawing/2014/main" val="682465758"/>
                   </a:ext>
                 </a:extLst>
               </a:tr>
@@ -37000,7 +37000,7 @@
                     <a:p>
                       <a:pPr algn="ctr"/>
                       <a:r>
-                        <a:rPr lang="en-US" dirty="0"/>
+                        <a:rPr lang="en-US" b="1" dirty="0"/>
                         <a:t>View</a:t>
                       </a:r>
                     </a:p>
@@ -37047,7 +37047,7 @@
                 </a:tc>
                 <a:extLst>
                   <a:ext uri="{0D108BD9-81ED-4DB2-BD59-A6C34878D82A}">
-                    <a16:rowId xmlns:a16="http://schemas.microsoft.com/office/drawing/2014/main" xmlns="" val="4230228483"/>
+                    <a16:rowId xmlns="" xmlns:a16="http://schemas.microsoft.com/office/drawing/2014/main" val="4230228483"/>
                   </a:ext>
                 </a:extLst>
               </a:tr>
@@ -37790,7 +37790,7 @@
           <p:nvPr>
             <p:extLst>
               <p:ext uri="{D42A27DB-BD31-4B8C-83A1-F6EECF244321}">
-                <p14:modId xmlns:p14="http://schemas.microsoft.com/office/powerpoint/2010/main" val="1512281950"/>
+                <p14:modId xmlns:p14="http://schemas.microsoft.com/office/powerpoint/2010/main" val="1950241997"/>
               </p:ext>
             </p:extLst>
           </p:nvPr>
@@ -37809,14 +37809,14 @@
                 <a:gridCol w="4519730">
                   <a:extLst>
                     <a:ext uri="{9D8B030D-6E8A-4147-A177-3AD203B41FA5}">
-                      <a16:colId xmlns:a16="http://schemas.microsoft.com/office/drawing/2014/main" xmlns="" val="48614039"/>
+                      <a16:colId xmlns="" xmlns:a16="http://schemas.microsoft.com/office/drawing/2014/main" val="48614039"/>
                     </a:ext>
                   </a:extLst>
                 </a:gridCol>
                 <a:gridCol w="6546898">
                   <a:extLst>
                     <a:ext uri="{9D8B030D-6E8A-4147-A177-3AD203B41FA5}">
-                      <a16:colId xmlns:a16="http://schemas.microsoft.com/office/drawing/2014/main" xmlns="" val="1124546490"/>
+                      <a16:colId xmlns="" xmlns:a16="http://schemas.microsoft.com/office/drawing/2014/main" val="1124546490"/>
                     </a:ext>
                   </a:extLst>
                 </a:gridCol>
@@ -37829,7 +37829,7 @@
                     <a:p>
                       <a:pPr algn="ctr"/>
                       <a:r>
-                        <a:rPr lang="en-US" b="0" dirty="0">
+                        <a:rPr lang="en-US" b="1" dirty="0">
                           <a:solidFill>
                             <a:schemeClr val="bg1"/>
                           </a:solidFill>
@@ -37868,7 +37868,7 @@
                 </a:tc>
                 <a:extLst>
                   <a:ext uri="{0D108BD9-81ED-4DB2-BD59-A6C34878D82A}">
-                    <a16:rowId xmlns:a16="http://schemas.microsoft.com/office/drawing/2014/main" xmlns="" val="679667022"/>
+                    <a16:rowId xmlns="" xmlns:a16="http://schemas.microsoft.com/office/drawing/2014/main" val="679667022"/>
                   </a:ext>
                 </a:extLst>
               </a:tr>
@@ -37880,10 +37880,10 @@
                     <a:p>
                       <a:pPr algn="ctr"/>
                       <a:r>
-                        <a:rPr lang="en-US" dirty="0" err="1"/>
+                        <a:rPr lang="en-US" b="1" dirty="0" err="1"/>
                         <a:t>ContentPage</a:t>
                       </a:r>
-                      <a:endParaRPr lang="en-US" dirty="0"/>
+                      <a:endParaRPr lang="en-US" b="1" dirty="0"/>
                     </a:p>
                   </a:txBody>
                   <a:tcPr>
@@ -37921,7 +37921,7 @@
                 </a:tc>
                 <a:extLst>
                   <a:ext uri="{0D108BD9-81ED-4DB2-BD59-A6C34878D82A}">
-                    <a16:rowId xmlns:a16="http://schemas.microsoft.com/office/drawing/2014/main" xmlns="" val="2034482246"/>
+                    <a16:rowId xmlns="" xmlns:a16="http://schemas.microsoft.com/office/drawing/2014/main" val="2034482246"/>
                   </a:ext>
                 </a:extLst>
               </a:tr>
@@ -37933,14 +37933,14 @@
                     <a:p>
                       <a:pPr algn="ctr"/>
                       <a:r>
-                        <a:rPr lang="en-US" dirty="0" err="1"/>
+                        <a:rPr lang="en-US" b="1" dirty="0" err="1"/>
                         <a:t>Master</a:t>
                       </a:r>
                       <a:r>
-                        <a:rPr lang="en-US" baseline="0" dirty="0" err="1"/>
+                        <a:rPr lang="en-US" b="1" baseline="0" dirty="0" err="1"/>
                         <a:t>DetailPage</a:t>
                       </a:r>
-                      <a:endParaRPr lang="en-US" dirty="0"/>
+                      <a:endParaRPr lang="en-US" b="1" dirty="0"/>
                     </a:p>
                   </a:txBody>
                   <a:tcPr>
@@ -37985,7 +37985,7 @@
                 </a:tc>
                 <a:extLst>
                   <a:ext uri="{0D108BD9-81ED-4DB2-BD59-A6C34878D82A}">
-                    <a16:rowId xmlns:a16="http://schemas.microsoft.com/office/drawing/2014/main" xmlns="" val="682465758"/>
+                    <a16:rowId xmlns="" xmlns:a16="http://schemas.microsoft.com/office/drawing/2014/main" val="682465758"/>
                   </a:ext>
                 </a:extLst>
               </a:tr>
@@ -37997,10 +37997,10 @@
                     <a:p>
                       <a:pPr algn="ctr"/>
                       <a:r>
-                        <a:rPr lang="en-US" dirty="0" err="1"/>
+                        <a:rPr lang="en-US" b="1" dirty="0" err="1"/>
                         <a:t>NavigationPage</a:t>
                       </a:r>
-                      <a:endParaRPr lang="en-US" dirty="0"/>
+                      <a:endParaRPr lang="en-US" b="1" dirty="0"/>
                     </a:p>
                   </a:txBody>
                   <a:tcPr>
@@ -38033,7 +38033,7 @@
                 </a:tc>
                 <a:extLst>
                   <a:ext uri="{0D108BD9-81ED-4DB2-BD59-A6C34878D82A}">
-                    <a16:rowId xmlns:a16="http://schemas.microsoft.com/office/drawing/2014/main" xmlns="" val="4230228483"/>
+                    <a16:rowId xmlns="" xmlns:a16="http://schemas.microsoft.com/office/drawing/2014/main" val="4230228483"/>
                   </a:ext>
                 </a:extLst>
               </a:tr>
@@ -38045,14 +38045,14 @@
                     <a:p>
                       <a:pPr algn="ctr"/>
                       <a:r>
-                        <a:rPr lang="en-US" dirty="0" err="1"/>
+                        <a:rPr lang="en-US" b="1" dirty="0" err="1"/>
                         <a:t>Tabbed</a:t>
                       </a:r>
                       <a:r>
-                        <a:rPr lang="en-US" baseline="0" dirty="0" err="1"/>
+                        <a:rPr lang="en-US" b="1" baseline="0" dirty="0" err="1"/>
                         <a:t>Page</a:t>
                       </a:r>
-                      <a:endParaRPr lang="en-US" dirty="0"/>
+                      <a:endParaRPr lang="en-US" b="1" dirty="0"/>
                     </a:p>
                   </a:txBody>
                   <a:tcPr>
@@ -38090,7 +38090,7 @@
                 </a:tc>
                 <a:extLst>
                   <a:ext uri="{0D108BD9-81ED-4DB2-BD59-A6C34878D82A}">
-                    <a16:rowId xmlns:a16="http://schemas.microsoft.com/office/drawing/2014/main" xmlns="" val="3329658239"/>
+                    <a16:rowId xmlns="" xmlns:a16="http://schemas.microsoft.com/office/drawing/2014/main" val="3329658239"/>
                   </a:ext>
                 </a:extLst>
               </a:tr>
@@ -38102,10 +38102,10 @@
                     <a:p>
                       <a:pPr algn="ctr"/>
                       <a:r>
-                        <a:rPr lang="en-US" dirty="0" err="1"/>
+                        <a:rPr lang="en-US" b="1" dirty="0" err="1"/>
                         <a:t>CarouselPage</a:t>
                       </a:r>
-                      <a:endParaRPr lang="en-US" dirty="0"/>
+                      <a:endParaRPr lang="en-US" b="1" dirty="0"/>
                     </a:p>
                   </a:txBody>
                   <a:tcPr>
@@ -38143,7 +38143,7 @@
                 </a:tc>
                 <a:extLst>
                   <a:ext uri="{0D108BD9-81ED-4DB2-BD59-A6C34878D82A}">
-                    <a16:rowId xmlns:a16="http://schemas.microsoft.com/office/drawing/2014/main" xmlns="" val="10005"/>
+                    <a16:rowId xmlns="" xmlns:a16="http://schemas.microsoft.com/office/drawing/2014/main" val="10005"/>
                   </a:ext>
                 </a:extLst>
               </a:tr>
@@ -38417,14 +38417,14 @@
                 <a:gridCol w="4519730">
                   <a:extLst>
                     <a:ext uri="{9D8B030D-6E8A-4147-A177-3AD203B41FA5}">
-                      <a16:colId xmlns:a16="http://schemas.microsoft.com/office/drawing/2014/main" xmlns="" val="48614039"/>
+                      <a16:colId xmlns="" xmlns:a16="http://schemas.microsoft.com/office/drawing/2014/main" val="48614039"/>
                     </a:ext>
                   </a:extLst>
                 </a:gridCol>
                 <a:gridCol w="6546898">
                   <a:extLst>
                     <a:ext uri="{9D8B030D-6E8A-4147-A177-3AD203B41FA5}">
-                      <a16:colId xmlns:a16="http://schemas.microsoft.com/office/drawing/2014/main" xmlns="" val="1124546490"/>
+                      <a16:colId xmlns="" xmlns:a16="http://schemas.microsoft.com/office/drawing/2014/main" val="1124546490"/>
                     </a:ext>
                   </a:extLst>
                 </a:gridCol>
@@ -38476,7 +38476,7 @@
                 </a:tc>
                 <a:extLst>
                   <a:ext uri="{0D108BD9-81ED-4DB2-BD59-A6C34878D82A}">
-                    <a16:rowId xmlns:a16="http://schemas.microsoft.com/office/drawing/2014/main" xmlns="" val="679667022"/>
+                    <a16:rowId xmlns="" xmlns:a16="http://schemas.microsoft.com/office/drawing/2014/main" val="679667022"/>
                   </a:ext>
                 </a:extLst>
               </a:tr>
@@ -38529,7 +38529,7 @@
                 </a:tc>
                 <a:extLst>
                   <a:ext uri="{0D108BD9-81ED-4DB2-BD59-A6C34878D82A}">
-                    <a16:rowId xmlns:a16="http://schemas.microsoft.com/office/drawing/2014/main" xmlns="" val="2034482246"/>
+                    <a16:rowId xmlns="" xmlns:a16="http://schemas.microsoft.com/office/drawing/2014/main" val="2034482246"/>
                   </a:ext>
                 </a:extLst>
               </a:tr>
@@ -38581,7 +38581,7 @@
                 </a:tc>
                 <a:extLst>
                   <a:ext uri="{0D108BD9-81ED-4DB2-BD59-A6C34878D82A}">
-                    <a16:rowId xmlns:a16="http://schemas.microsoft.com/office/drawing/2014/main" xmlns="" val="682465758"/>
+                    <a16:rowId xmlns="" xmlns:a16="http://schemas.microsoft.com/office/drawing/2014/main" val="682465758"/>
                   </a:ext>
                 </a:extLst>
               </a:tr>
@@ -38632,7 +38632,7 @@
                 </a:tc>
                 <a:extLst>
                   <a:ext uri="{0D108BD9-81ED-4DB2-BD59-A6C34878D82A}">
-                    <a16:rowId xmlns:a16="http://schemas.microsoft.com/office/drawing/2014/main" xmlns="" val="4230228483"/>
+                    <a16:rowId xmlns="" xmlns:a16="http://schemas.microsoft.com/office/drawing/2014/main" val="4230228483"/>
                   </a:ext>
                 </a:extLst>
               </a:tr>
@@ -38685,7 +38685,7 @@
                 </a:tc>
                 <a:extLst>
                   <a:ext uri="{0D108BD9-81ED-4DB2-BD59-A6C34878D82A}">
-                    <a16:rowId xmlns:a16="http://schemas.microsoft.com/office/drawing/2014/main" xmlns="" val="3329658239"/>
+                    <a16:rowId xmlns="" xmlns:a16="http://schemas.microsoft.com/office/drawing/2014/main" val="3329658239"/>
                   </a:ext>
                 </a:extLst>
               </a:tr>
@@ -38737,7 +38737,7 @@
                 </a:tc>
                 <a:extLst>
                   <a:ext uri="{0D108BD9-81ED-4DB2-BD59-A6C34878D82A}">
-                    <a16:rowId xmlns:a16="http://schemas.microsoft.com/office/drawing/2014/main" xmlns="" val="10005"/>
+                    <a16:rowId xmlns="" xmlns:a16="http://schemas.microsoft.com/office/drawing/2014/main" val="10005"/>
                   </a:ext>
                 </a:extLst>
               </a:tr>
@@ -44968,12 +44968,7 @@
             <p:ph idx="1"/>
           </p:nvPr>
         </p:nvSpPr>
-        <p:spPr>
-          <a:xfrm>
-            <a:off x="482600" y="1132840"/>
-            <a:ext cx="11226800" cy="3934460"/>
-          </a:xfrm>
-        </p:spPr>
+        <p:spPr/>
         <p:txBody>
           <a:bodyPr>
             <a:noAutofit/>
@@ -45502,7 +45497,7 @@
   <a:extraClrSchemeLst/>
   <a:extLst>
     <a:ext uri="{05A4C25C-085E-4340-85A3-A5531E510DB2}">
-      <thm15:themeFamily xmlns:thm15="http://schemas.microsoft.com/office/thememl/2012/main" xmlns="" name="Office Theme" id="{62F939B6-93AF-4DB8-9C6B-D6C7DFDC589F}" vid="{4A3C46E8-61CC-4603-A589-7422A47A8E4A}"/>
+      <thm15:themeFamily xmlns="" xmlns:thm15="http://schemas.microsoft.com/office/thememl/2012/main" name="Office Theme" id="{62F939B6-93AF-4DB8-9C6B-D6C7DFDC589F}" vid="{4A3C46E8-61CC-4603-A589-7422A47A8E4A}"/>
     </a:ext>
   </a:extLst>
 </a:theme>
@@ -45835,7 +45830,7 @@
   <a:extraClrSchemeLst/>
   <a:extLst>
     <a:ext uri="{05A4C25C-085E-4340-85A3-A5531E510DB2}">
-      <thm15:themeFamily xmlns:thm15="http://schemas.microsoft.com/office/thememl/2012/main" xmlns="" name="Azure4ResearchTemplate" id="{DD1C6CE8-BDBA-0D4F-9930-3643ABC8EF0E}" vid="{B5C66FD7-0952-994B-96D6-AB3BB89097FE}"/>
+      <thm15:themeFamily xmlns="" xmlns:thm15="http://schemas.microsoft.com/office/thememl/2012/main" name="Azure4ResearchTemplate" id="{DD1C6CE8-BDBA-0D4F-9930-3643ABC8EF0E}" vid="{B5C66FD7-0952-994B-96D6-AB3BB89097FE}"/>
     </a:ext>
   </a:extLst>
 </a:theme>
@@ -46036,7 +46031,7 @@
   <a:extraClrSchemeLst/>
   <a:extLst>
     <a:ext uri="{05A4C25C-085E-4340-85A3-A5531E510DB2}">
-      <thm15:themeFamily xmlns:thm15="http://schemas.microsoft.com/office/thememl/2012/main" xmlns="" name="Office Theme" id="{62F939B6-93AF-4DB8-9C6B-D6C7DFDC589F}" vid="{4A3C46E8-61CC-4603-A589-7422A47A8E4A}"/>
+      <thm15:themeFamily xmlns="" xmlns:thm15="http://schemas.microsoft.com/office/thememl/2012/main" name="Office Theme" id="{62F939B6-93AF-4DB8-9C6B-D6C7DFDC589F}" vid="{4A3C46E8-61CC-4603-A589-7422A47A8E4A}"/>
     </a:ext>
   </a:extLst>
 </a:theme>
@@ -46237,7 +46232,7 @@
   <a:extraClrSchemeLst/>
   <a:extLst>
     <a:ext uri="{05A4C25C-085E-4340-85A3-A5531E510DB2}">
-      <thm15:themeFamily xmlns:thm15="http://schemas.microsoft.com/office/thememl/2012/main" xmlns="" name="Office Theme" id="{62F939B6-93AF-4DB8-9C6B-D6C7DFDC589F}" vid="{4A3C46E8-61CC-4603-A589-7422A47A8E4A}"/>
+      <thm15:themeFamily xmlns="" xmlns:thm15="http://schemas.microsoft.com/office/thememl/2012/main" name="Office Theme" id="{62F939B6-93AF-4DB8-9C6B-D6C7DFDC589F}" vid="{4A3C46E8-61CC-4603-A589-7422A47A8E4A}"/>
     </a:ext>
   </a:extLst>
 </a:theme>
@@ -46532,7 +46527,7 @@
   <a:extraClrSchemeLst/>
   <a:extLst>
     <a:ext uri="{05A4C25C-085E-4340-85A3-A5531E510DB2}">
-      <thm15:themeFamily xmlns:thm15="http://schemas.microsoft.com/office/thememl/2012/main" xmlns="" name="Office Theme" id="{62F939B6-93AF-4DB8-9C6B-D6C7DFDC589F}" vid="{4A3C46E8-61CC-4603-A589-7422A47A8E4A}"/>
+      <thm15:themeFamily xmlns="" xmlns:thm15="http://schemas.microsoft.com/office/thememl/2012/main" name="Office Theme" id="{62F939B6-93AF-4DB8-9C6B-D6C7DFDC589F}" vid="{4A3C46E8-61CC-4603-A589-7422A47A8E4A}"/>
     </a:ext>
   </a:extLst>
 </a:theme>

--- a/Complimentary Course Content/Module3/Lessons/Module3_Lesson09 Cross-Platform User Interfaces with Xamarin.Forms.pptx
+++ b/Complimentary Course Content/Module3/Lessons/Module3_Lesson09 Cross-Platform User Interfaces with Xamarin.Forms.pptx
@@ -150,7 +150,7 @@
   </p:defaultTextStyle>
   <p:extLst>
     <p:ext uri="{EFAFB233-063F-42B5-8137-9DF3F51BA10A}">
-      <p15:sldGuideLst xmlns="" xmlns:p15="http://schemas.microsoft.com/office/powerpoint/2012/main">
+      <p15:sldGuideLst xmlns:p15="http://schemas.microsoft.com/office/powerpoint/2012/main" xmlns="">
         <p15:guide id="1" orient="horz" pos="2160">
           <p15:clr>
             <a:srgbClr val="A4A3A4"/>
@@ -35694,10 +35694,10 @@
         </p:nvGrpSpPr>
         <p:grpSpPr>
           <a:xfrm>
-            <a:off x="2017316" y="1949529"/>
-            <a:ext cx="8157368" cy="4343832"/>
-            <a:chOff x="2918379" y="1619629"/>
-            <a:chExt cx="8157368" cy="4343832"/>
+            <a:off x="2017316" y="2071118"/>
+            <a:ext cx="8157368" cy="4222243"/>
+            <a:chOff x="2918379" y="1741218"/>
+            <a:chExt cx="8157368" cy="4222243"/>
           </a:xfrm>
         </p:grpSpPr>
         <p:grpSp>
@@ -35708,10 +35708,10 @@
           </p:nvGrpSpPr>
           <p:grpSpPr>
             <a:xfrm>
-              <a:off x="5467573" y="1619629"/>
-              <a:ext cx="5608174" cy="4343832"/>
-              <a:chOff x="5467573" y="1619629"/>
-              <a:chExt cx="5608174" cy="4343832"/>
+              <a:off x="5467573" y="1741218"/>
+              <a:ext cx="5608174" cy="4222243"/>
+              <a:chOff x="5467573" y="1741218"/>
+              <a:chExt cx="5608174" cy="4222243"/>
             </a:xfrm>
           </p:grpSpPr>
           <p:sp>
@@ -35987,8 +35987,17 @@
                   <a:pPr algn="ctr"/>
                   <a:r>
                     <a:rPr lang="en-US" dirty="0"/>
-                    <a:t>Windows Phone SDK</a:t>
+                    <a:t>Windows </a:t>
                   </a:r>
+                  <a:endParaRPr lang="en-US" dirty="0" smtClean="0"/>
+                </a:p>
+                <a:p>
+                  <a:pPr algn="ctr"/>
+                  <a:r>
+                    <a:rPr lang="en-US" dirty="0" smtClean="0"/>
+                    <a:t>SDK</a:t>
+                  </a:r>
+                  <a:endParaRPr lang="en-US" dirty="0"/>
                 </a:p>
               </p:txBody>
             </p:sp>
@@ -36001,10 +36010,10 @@
             </p:nvGrpSpPr>
             <p:grpSpPr>
               <a:xfrm>
-                <a:off x="5474571" y="1619629"/>
-                <a:ext cx="5601176" cy="807375"/>
-                <a:chOff x="6271720" y="633401"/>
-                <a:chExt cx="5601176" cy="807375"/>
+                <a:off x="5474571" y="1741218"/>
+                <a:ext cx="5601176" cy="685786"/>
+                <a:chOff x="6271720" y="754990"/>
+                <a:chExt cx="5601176" cy="685786"/>
               </a:xfrm>
             </p:grpSpPr>
             <p:grpSp>
@@ -36015,10 +36024,10 @@
               </p:nvGrpSpPr>
               <p:grpSpPr>
                 <a:xfrm>
-                  <a:off x="10154694" y="633401"/>
-                  <a:ext cx="1718202" cy="806048"/>
-                  <a:chOff x="10154694" y="633401"/>
-                  <a:chExt cx="1718202" cy="806048"/>
+                  <a:off x="10154694" y="765364"/>
+                  <a:ext cx="1718202" cy="674085"/>
+                  <a:chOff x="10154694" y="765364"/>
+                  <a:chExt cx="1718202" cy="674085"/>
                 </a:xfrm>
               </p:grpSpPr>
               <p:sp>
@@ -36029,8 +36038,8 @@
                 </p:nvSpPr>
                 <p:spPr>
                   <a:xfrm>
-                    <a:off x="10230531" y="633401"/>
-                    <a:ext cx="1564584" cy="646331"/>
+                    <a:off x="10230531" y="765364"/>
+                    <a:ext cx="1564584" cy="369332"/>
                   </a:xfrm>
                   <a:prstGeom prst="rect">
                     <a:avLst/>
@@ -36050,8 +36059,21 @@
                           <a:srgbClr val="000000"/>
                         </a:solidFill>
                       </a:rPr>
-                      <a:t>Windows Phone App</a:t>
+                      <a:t>Windows </a:t>
                     </a:r>
+                    <a:r>
+                      <a:rPr lang="en-US" dirty="0" smtClean="0">
+                        <a:solidFill>
+                          <a:srgbClr val="000000"/>
+                        </a:solidFill>
+                      </a:rPr>
+                      <a:t>App</a:t>
+                    </a:r>
+                    <a:endParaRPr lang="en-US" dirty="0">
+                      <a:solidFill>
+                        <a:srgbClr val="000000"/>
+                      </a:solidFill>
+                    </a:endParaRPr>
                   </a:p>
                 </p:txBody>
               </p:sp>
@@ -36830,14 +36852,14 @@
                 <a:gridCol w="5533314">
                   <a:extLst>
                     <a:ext uri="{9D8B030D-6E8A-4147-A177-3AD203B41FA5}">
-                      <a16:colId xmlns="" xmlns:a16="http://schemas.microsoft.com/office/drawing/2014/main" val="48614039"/>
+                      <a16:colId xmlns:a16="http://schemas.microsoft.com/office/drawing/2014/main" xmlns="" val="48614039"/>
                     </a:ext>
                   </a:extLst>
                 </a:gridCol>
                 <a:gridCol w="5533314">
                   <a:extLst>
                     <a:ext uri="{9D8B030D-6E8A-4147-A177-3AD203B41FA5}">
-                      <a16:colId xmlns="" xmlns:a16="http://schemas.microsoft.com/office/drawing/2014/main" val="1124546490"/>
+                      <a16:colId xmlns:a16="http://schemas.microsoft.com/office/drawing/2014/main" xmlns="" val="1124546490"/>
                     </a:ext>
                   </a:extLst>
                 </a:gridCol>
@@ -36889,7 +36911,7 @@
                 </a:tc>
                 <a:extLst>
                   <a:ext uri="{0D108BD9-81ED-4DB2-BD59-A6C34878D82A}">
-                    <a16:rowId xmlns="" xmlns:a16="http://schemas.microsoft.com/office/drawing/2014/main" val="679667022"/>
+                    <a16:rowId xmlns:a16="http://schemas.microsoft.com/office/drawing/2014/main" xmlns="" val="679667022"/>
                   </a:ext>
                 </a:extLst>
               </a:tr>
@@ -36936,7 +36958,7 @@
                 </a:tc>
                 <a:extLst>
                   <a:ext uri="{0D108BD9-81ED-4DB2-BD59-A6C34878D82A}">
-                    <a16:rowId xmlns="" xmlns:a16="http://schemas.microsoft.com/office/drawing/2014/main" val="2034482246"/>
+                    <a16:rowId xmlns:a16="http://schemas.microsoft.com/office/drawing/2014/main" xmlns="" val="2034482246"/>
                   </a:ext>
                 </a:extLst>
               </a:tr>
@@ -36988,7 +37010,7 @@
                 </a:tc>
                 <a:extLst>
                   <a:ext uri="{0D108BD9-81ED-4DB2-BD59-A6C34878D82A}">
-                    <a16:rowId xmlns="" xmlns:a16="http://schemas.microsoft.com/office/drawing/2014/main" val="682465758"/>
+                    <a16:rowId xmlns:a16="http://schemas.microsoft.com/office/drawing/2014/main" xmlns="" val="682465758"/>
                   </a:ext>
                 </a:extLst>
               </a:tr>
@@ -37047,7 +37069,7 @@
                 </a:tc>
                 <a:extLst>
                   <a:ext uri="{0D108BD9-81ED-4DB2-BD59-A6C34878D82A}">
-                    <a16:rowId xmlns="" xmlns:a16="http://schemas.microsoft.com/office/drawing/2014/main" val="4230228483"/>
+                    <a16:rowId xmlns:a16="http://schemas.microsoft.com/office/drawing/2014/main" xmlns="" val="4230228483"/>
                   </a:ext>
                 </a:extLst>
               </a:tr>
@@ -37809,14 +37831,14 @@
                 <a:gridCol w="4519730">
                   <a:extLst>
                     <a:ext uri="{9D8B030D-6E8A-4147-A177-3AD203B41FA5}">
-                      <a16:colId xmlns="" xmlns:a16="http://schemas.microsoft.com/office/drawing/2014/main" val="48614039"/>
+                      <a16:colId xmlns:a16="http://schemas.microsoft.com/office/drawing/2014/main" xmlns="" val="48614039"/>
                     </a:ext>
                   </a:extLst>
                 </a:gridCol>
                 <a:gridCol w="6546898">
                   <a:extLst>
                     <a:ext uri="{9D8B030D-6E8A-4147-A177-3AD203B41FA5}">
-                      <a16:colId xmlns="" xmlns:a16="http://schemas.microsoft.com/office/drawing/2014/main" val="1124546490"/>
+                      <a16:colId xmlns:a16="http://schemas.microsoft.com/office/drawing/2014/main" xmlns="" val="1124546490"/>
                     </a:ext>
                   </a:extLst>
                 </a:gridCol>
@@ -37868,7 +37890,7 @@
                 </a:tc>
                 <a:extLst>
                   <a:ext uri="{0D108BD9-81ED-4DB2-BD59-A6C34878D82A}">
-                    <a16:rowId xmlns="" xmlns:a16="http://schemas.microsoft.com/office/drawing/2014/main" val="679667022"/>
+                    <a16:rowId xmlns:a16="http://schemas.microsoft.com/office/drawing/2014/main" xmlns="" val="679667022"/>
                   </a:ext>
                 </a:extLst>
               </a:tr>
@@ -37921,7 +37943,7 @@
                 </a:tc>
                 <a:extLst>
                   <a:ext uri="{0D108BD9-81ED-4DB2-BD59-A6C34878D82A}">
-                    <a16:rowId xmlns="" xmlns:a16="http://schemas.microsoft.com/office/drawing/2014/main" val="2034482246"/>
+                    <a16:rowId xmlns:a16="http://schemas.microsoft.com/office/drawing/2014/main" xmlns="" val="2034482246"/>
                   </a:ext>
                 </a:extLst>
               </a:tr>
@@ -37985,7 +38007,7 @@
                 </a:tc>
                 <a:extLst>
                   <a:ext uri="{0D108BD9-81ED-4DB2-BD59-A6C34878D82A}">
-                    <a16:rowId xmlns="" xmlns:a16="http://schemas.microsoft.com/office/drawing/2014/main" val="682465758"/>
+                    <a16:rowId xmlns:a16="http://schemas.microsoft.com/office/drawing/2014/main" xmlns="" val="682465758"/>
                   </a:ext>
                 </a:extLst>
               </a:tr>
@@ -38033,7 +38055,7 @@
                 </a:tc>
                 <a:extLst>
                   <a:ext uri="{0D108BD9-81ED-4DB2-BD59-A6C34878D82A}">
-                    <a16:rowId xmlns="" xmlns:a16="http://schemas.microsoft.com/office/drawing/2014/main" val="4230228483"/>
+                    <a16:rowId xmlns:a16="http://schemas.microsoft.com/office/drawing/2014/main" xmlns="" val="4230228483"/>
                   </a:ext>
                 </a:extLst>
               </a:tr>
@@ -38090,7 +38112,7 @@
                 </a:tc>
                 <a:extLst>
                   <a:ext uri="{0D108BD9-81ED-4DB2-BD59-A6C34878D82A}">
-                    <a16:rowId xmlns="" xmlns:a16="http://schemas.microsoft.com/office/drawing/2014/main" val="3329658239"/>
+                    <a16:rowId xmlns:a16="http://schemas.microsoft.com/office/drawing/2014/main" xmlns="" val="3329658239"/>
                   </a:ext>
                 </a:extLst>
               </a:tr>
@@ -38143,7 +38165,7 @@
                 </a:tc>
                 <a:extLst>
                   <a:ext uri="{0D108BD9-81ED-4DB2-BD59-A6C34878D82A}">
-                    <a16:rowId xmlns="" xmlns:a16="http://schemas.microsoft.com/office/drawing/2014/main" val="10005"/>
+                    <a16:rowId xmlns:a16="http://schemas.microsoft.com/office/drawing/2014/main" xmlns="" val="10005"/>
                   </a:ext>
                 </a:extLst>
               </a:tr>
@@ -38417,14 +38439,14 @@
                 <a:gridCol w="4519730">
                   <a:extLst>
                     <a:ext uri="{9D8B030D-6E8A-4147-A177-3AD203B41FA5}">
-                      <a16:colId xmlns="" xmlns:a16="http://schemas.microsoft.com/office/drawing/2014/main" val="48614039"/>
+                      <a16:colId xmlns:a16="http://schemas.microsoft.com/office/drawing/2014/main" xmlns="" val="48614039"/>
                     </a:ext>
                   </a:extLst>
                 </a:gridCol>
                 <a:gridCol w="6546898">
                   <a:extLst>
                     <a:ext uri="{9D8B030D-6E8A-4147-A177-3AD203B41FA5}">
-                      <a16:colId xmlns="" xmlns:a16="http://schemas.microsoft.com/office/drawing/2014/main" val="1124546490"/>
+                      <a16:colId xmlns:a16="http://schemas.microsoft.com/office/drawing/2014/main" xmlns="" val="1124546490"/>
                     </a:ext>
                   </a:extLst>
                 </a:gridCol>
@@ -38476,7 +38498,7 @@
                 </a:tc>
                 <a:extLst>
                   <a:ext uri="{0D108BD9-81ED-4DB2-BD59-A6C34878D82A}">
-                    <a16:rowId xmlns="" xmlns:a16="http://schemas.microsoft.com/office/drawing/2014/main" val="679667022"/>
+                    <a16:rowId xmlns:a16="http://schemas.microsoft.com/office/drawing/2014/main" xmlns="" val="679667022"/>
                   </a:ext>
                 </a:extLst>
               </a:tr>
@@ -38529,7 +38551,7 @@
                 </a:tc>
                 <a:extLst>
                   <a:ext uri="{0D108BD9-81ED-4DB2-BD59-A6C34878D82A}">
-                    <a16:rowId xmlns="" xmlns:a16="http://schemas.microsoft.com/office/drawing/2014/main" val="2034482246"/>
+                    <a16:rowId xmlns:a16="http://schemas.microsoft.com/office/drawing/2014/main" xmlns="" val="2034482246"/>
                   </a:ext>
                 </a:extLst>
               </a:tr>
@@ -38581,7 +38603,7 @@
                 </a:tc>
                 <a:extLst>
                   <a:ext uri="{0D108BD9-81ED-4DB2-BD59-A6C34878D82A}">
-                    <a16:rowId xmlns="" xmlns:a16="http://schemas.microsoft.com/office/drawing/2014/main" val="682465758"/>
+                    <a16:rowId xmlns:a16="http://schemas.microsoft.com/office/drawing/2014/main" xmlns="" val="682465758"/>
                   </a:ext>
                 </a:extLst>
               </a:tr>
@@ -38632,7 +38654,7 @@
                 </a:tc>
                 <a:extLst>
                   <a:ext uri="{0D108BD9-81ED-4DB2-BD59-A6C34878D82A}">
-                    <a16:rowId xmlns="" xmlns:a16="http://schemas.microsoft.com/office/drawing/2014/main" val="4230228483"/>
+                    <a16:rowId xmlns:a16="http://schemas.microsoft.com/office/drawing/2014/main" xmlns="" val="4230228483"/>
                   </a:ext>
                 </a:extLst>
               </a:tr>
@@ -38685,7 +38707,7 @@
                 </a:tc>
                 <a:extLst>
                   <a:ext uri="{0D108BD9-81ED-4DB2-BD59-A6C34878D82A}">
-                    <a16:rowId xmlns="" xmlns:a16="http://schemas.microsoft.com/office/drawing/2014/main" val="3329658239"/>
+                    <a16:rowId xmlns:a16="http://schemas.microsoft.com/office/drawing/2014/main" xmlns="" val="3329658239"/>
                   </a:ext>
                 </a:extLst>
               </a:tr>
@@ -38737,7 +38759,7 @@
                 </a:tc>
                 <a:extLst>
                   <a:ext uri="{0D108BD9-81ED-4DB2-BD59-A6C34878D82A}">
-                    <a16:rowId xmlns="" xmlns:a16="http://schemas.microsoft.com/office/drawing/2014/main" val="10005"/>
+                    <a16:rowId xmlns:a16="http://schemas.microsoft.com/office/drawing/2014/main" xmlns="" val="10005"/>
                   </a:ext>
                 </a:extLst>
               </a:tr>
@@ -42892,9 +42914,10 @@
             <a:p>
               <a:pPr algn="ctr"/>
               <a:r>
-                <a:rPr lang="en-US" dirty="0"/>
-                <a:t>Windows Phone </a:t>
+                <a:rPr lang="en-US" dirty="0" smtClean="0"/>
+                <a:t>Windows</a:t>
               </a:r>
+              <a:endParaRPr lang="en-US" dirty="0"/>
             </a:p>
             <a:p>
               <a:pPr algn="ctr"/>
@@ -45497,7 +45520,7 @@
   <a:extraClrSchemeLst/>
   <a:extLst>
     <a:ext uri="{05A4C25C-085E-4340-85A3-A5531E510DB2}">
-      <thm15:themeFamily xmlns="" xmlns:thm15="http://schemas.microsoft.com/office/thememl/2012/main" name="Office Theme" id="{62F939B6-93AF-4DB8-9C6B-D6C7DFDC589F}" vid="{4A3C46E8-61CC-4603-A589-7422A47A8E4A}"/>
+      <thm15:themeFamily xmlns:thm15="http://schemas.microsoft.com/office/thememl/2012/main" xmlns="" name="Office Theme" id="{62F939B6-93AF-4DB8-9C6B-D6C7DFDC589F}" vid="{4A3C46E8-61CC-4603-A589-7422A47A8E4A}"/>
     </a:ext>
   </a:extLst>
 </a:theme>
@@ -45830,7 +45853,7 @@
   <a:extraClrSchemeLst/>
   <a:extLst>
     <a:ext uri="{05A4C25C-085E-4340-85A3-A5531E510DB2}">
-      <thm15:themeFamily xmlns="" xmlns:thm15="http://schemas.microsoft.com/office/thememl/2012/main" name="Azure4ResearchTemplate" id="{DD1C6CE8-BDBA-0D4F-9930-3643ABC8EF0E}" vid="{B5C66FD7-0952-994B-96D6-AB3BB89097FE}"/>
+      <thm15:themeFamily xmlns:thm15="http://schemas.microsoft.com/office/thememl/2012/main" xmlns="" name="Azure4ResearchTemplate" id="{DD1C6CE8-BDBA-0D4F-9930-3643ABC8EF0E}" vid="{B5C66FD7-0952-994B-96D6-AB3BB89097FE}"/>
     </a:ext>
   </a:extLst>
 </a:theme>
@@ -46031,7 +46054,7 @@
   <a:extraClrSchemeLst/>
   <a:extLst>
     <a:ext uri="{05A4C25C-085E-4340-85A3-A5531E510DB2}">
-      <thm15:themeFamily xmlns="" xmlns:thm15="http://schemas.microsoft.com/office/thememl/2012/main" name="Office Theme" id="{62F939B6-93AF-4DB8-9C6B-D6C7DFDC589F}" vid="{4A3C46E8-61CC-4603-A589-7422A47A8E4A}"/>
+      <thm15:themeFamily xmlns:thm15="http://schemas.microsoft.com/office/thememl/2012/main" xmlns="" name="Office Theme" id="{62F939B6-93AF-4DB8-9C6B-D6C7DFDC589F}" vid="{4A3C46E8-61CC-4603-A589-7422A47A8E4A}"/>
     </a:ext>
   </a:extLst>
 </a:theme>
@@ -46232,7 +46255,7 @@
   <a:extraClrSchemeLst/>
   <a:extLst>
     <a:ext uri="{05A4C25C-085E-4340-85A3-A5531E510DB2}">
-      <thm15:themeFamily xmlns="" xmlns:thm15="http://schemas.microsoft.com/office/thememl/2012/main" name="Office Theme" id="{62F939B6-93AF-4DB8-9C6B-D6C7DFDC589F}" vid="{4A3C46E8-61CC-4603-A589-7422A47A8E4A}"/>
+      <thm15:themeFamily xmlns:thm15="http://schemas.microsoft.com/office/thememl/2012/main" xmlns="" name="Office Theme" id="{62F939B6-93AF-4DB8-9C6B-D6C7DFDC589F}" vid="{4A3C46E8-61CC-4603-A589-7422A47A8E4A}"/>
     </a:ext>
   </a:extLst>
 </a:theme>
@@ -46527,7 +46550,7 @@
   <a:extraClrSchemeLst/>
   <a:extLst>
     <a:ext uri="{05A4C25C-085E-4340-85A3-A5531E510DB2}">
-      <thm15:themeFamily xmlns="" xmlns:thm15="http://schemas.microsoft.com/office/thememl/2012/main" name="Office Theme" id="{62F939B6-93AF-4DB8-9C6B-D6C7DFDC589F}" vid="{4A3C46E8-61CC-4603-A589-7422A47A8E4A}"/>
+      <thm15:themeFamily xmlns:thm15="http://schemas.microsoft.com/office/thememl/2012/main" xmlns="" name="Office Theme" id="{62F939B6-93AF-4DB8-9C6B-D6C7DFDC589F}" vid="{4A3C46E8-61CC-4603-A589-7422A47A8E4A}"/>
     </a:ext>
   </a:extLst>
 </a:theme>

--- a/Complimentary Course Content/Module3/Lessons/Module3_Lesson09 Cross-Platform User Interfaces with Xamarin.Forms.pptx
+++ b/Complimentary Course Content/Module3/Lessons/Module3_Lesson09 Cross-Platform User Interfaces with Xamarin.Forms.pptx
@@ -150,7 +150,7 @@
   </p:defaultTextStyle>
   <p:extLst>
     <p:ext uri="{EFAFB233-063F-42B5-8137-9DF3F51BA10A}">
-      <p15:sldGuideLst xmlns:p15="http://schemas.microsoft.com/office/powerpoint/2012/main" xmlns="">
+      <p15:sldGuideLst xmlns="" xmlns:p15="http://schemas.microsoft.com/office/powerpoint/2012/main">
         <p15:guide id="1" orient="horz" pos="2160">
           <p15:clr>
             <a:srgbClr val="A4A3A4"/>
@@ -259,7 +259,7 @@
           <a:p>
             <a:fld id="{49B60EF2-7028-489F-85D8-FE86CD7CF2A0}" type="datetimeFigureOut">
               <a:rPr lang="en-US" smtClean="0"/>
-              <a:t>6/30/16</a:t>
+              <a:t>7/7/16</a:t>
             </a:fld>
             <a:endParaRPr lang="en-US"/>
           </a:p>
@@ -3569,7 +3569,15 @@
             </a:r>
             <a:r>
               <a:rPr lang="en-US" baseline="0" dirty="0"/>
-              <a:t> Page operates like a View Controller in iOS, a Page in Windows Phone and an Activity in Android</a:t>
+              <a:t> Page operates like a View Controller in iOS, a Page in </a:t>
+            </a:r>
+            <a:r>
+              <a:rPr lang="en-US" baseline="0" dirty="0" smtClean="0"/>
+              <a:t>Windows </a:t>
+            </a:r>
+            <a:r>
+              <a:rPr lang="en-US" baseline="0" dirty="0"/>
+              <a:t>and an Activity in Android</a:t>
             </a:r>
           </a:p>
           <a:p>
@@ -5901,8 +5909,13 @@
             </a:r>
             <a:r>
               <a:rPr lang="en-US" baseline="0" dirty="0"/>
-              <a:t> in iOS, Button in Android and Button in Windows Phone</a:t>
-            </a:r>
+              <a:t> in iOS, Button in Android and Button in </a:t>
+            </a:r>
+            <a:r>
+              <a:rPr lang="en-US" baseline="0" dirty="0" smtClean="0"/>
+              <a:t>Windows</a:t>
+            </a:r>
+            <a:endParaRPr lang="en-US" baseline="0" dirty="0"/>
           </a:p>
           <a:p>
             <a:pPr marL="171450" lvl="0" indent="-171450">
@@ -7337,7 +7350,7 @@
           <a:p>
             <a:fld id="{0459C166-16D3-4A25-A2F8-C51E0E346B22}" type="datetimeFigureOut">
               <a:rPr lang="en-US" smtClean="0"/>
-              <a:t>6/30/16</a:t>
+              <a:t>7/7/16</a:t>
             </a:fld>
             <a:endParaRPr lang="en-US"/>
           </a:p>
@@ -7701,7 +7714,7 @@
           <a:p>
             <a:fld id="{0459C166-16D3-4A25-A2F8-C51E0E346B22}" type="datetimeFigureOut">
               <a:rPr lang="en-US" smtClean="0"/>
-              <a:t>6/30/16</a:t>
+              <a:t>7/7/16</a:t>
             </a:fld>
             <a:endParaRPr lang="en-US"/>
           </a:p>
@@ -7818,7 +7831,7 @@
           <a:p>
             <a:fld id="{0459C166-16D3-4A25-A2F8-C51E0E346B22}" type="datetimeFigureOut">
               <a:rPr lang="en-US" smtClean="0"/>
-              <a:t>6/30/16</a:t>
+              <a:t>7/7/16</a:t>
             </a:fld>
             <a:endParaRPr lang="en-US"/>
           </a:p>
@@ -7913,7 +7926,7 @@
           <a:p>
             <a:fld id="{0459C166-16D3-4A25-A2F8-C51E0E346B22}" type="datetimeFigureOut">
               <a:rPr lang="en-US" smtClean="0"/>
-              <a:t>6/30/16</a:t>
+              <a:t>7/7/16</a:t>
             </a:fld>
             <a:endParaRPr lang="en-US"/>
           </a:p>
@@ -8188,7 +8201,7 @@
           <a:p>
             <a:fld id="{0459C166-16D3-4A25-A2F8-C51E0E346B22}" type="datetimeFigureOut">
               <a:rPr lang="en-US" smtClean="0"/>
-              <a:t>6/30/16</a:t>
+              <a:t>7/7/16</a:t>
             </a:fld>
             <a:endParaRPr lang="en-US"/>
           </a:p>
@@ -8440,7 +8453,7 @@
           <a:p>
             <a:fld id="{0459C166-16D3-4A25-A2F8-C51E0E346B22}" type="datetimeFigureOut">
               <a:rPr lang="en-US" smtClean="0"/>
-              <a:t>6/30/16</a:t>
+              <a:t>7/7/16</a:t>
             </a:fld>
             <a:endParaRPr lang="en-US"/>
           </a:p>
@@ -8608,7 +8621,7 @@
           <a:p>
             <a:fld id="{0459C166-16D3-4A25-A2F8-C51E0E346B22}" type="datetimeFigureOut">
               <a:rPr lang="en-US" smtClean="0"/>
-              <a:t>6/30/16</a:t>
+              <a:t>7/7/16</a:t>
             </a:fld>
             <a:endParaRPr lang="en-US"/>
           </a:p>
@@ -8786,7 +8799,7 @@
           <a:p>
             <a:fld id="{0459C166-16D3-4A25-A2F8-C51E0E346B22}" type="datetimeFigureOut">
               <a:rPr lang="en-US" smtClean="0"/>
-              <a:t>6/30/16</a:t>
+              <a:t>7/7/16</a:t>
             </a:fld>
             <a:endParaRPr lang="en-US"/>
           </a:p>
@@ -9669,7 +9682,7 @@
           <a:p>
             <a:fld id="{0459C166-16D3-4A25-A2F8-C51E0E346B22}" type="datetimeFigureOut">
               <a:rPr lang="en-US" smtClean="0"/>
-              <a:t>6/30/16</a:t>
+              <a:t>7/7/16</a:t>
             </a:fld>
             <a:endParaRPr lang="en-US"/>
           </a:p>
@@ -15200,7 +15213,7 @@
             <a:fld id="{0459C166-16D3-4A25-A2F8-C51E0E346B22}" type="datetimeFigureOut">
               <a:rPr lang="en-US" smtClean="0"/>
               <a:pPr/>
-              <a:t>6/30/16</a:t>
+              <a:t>7/7/16</a:t>
             </a:fld>
             <a:endParaRPr lang="en-US"/>
           </a:p>
@@ -19555,7 +19568,7 @@
                 <a:latin typeface="Segoe UI"/>
               </a:rPr>
               <a:pPr/>
-              <a:t>6/30/16</a:t>
+              <a:t>7/7/16</a:t>
             </a:fld>
             <a:endParaRPr lang="en-US">
               <a:solidFill>
@@ -19760,7 +19773,7 @@
                 <a:latin typeface="Segoe UI"/>
               </a:rPr>
               <a:pPr/>
-              <a:t>6/30/16</a:t>
+              <a:t>7/7/16</a:t>
             </a:fld>
             <a:endParaRPr lang="en-US">
               <a:solidFill>
@@ -20242,7 +20255,7 @@
                 <a:latin typeface="Segoe UI"/>
               </a:rPr>
               <a:pPr/>
-              <a:t>6/30/16</a:t>
+              <a:t>7/7/16</a:t>
             </a:fld>
             <a:endParaRPr lang="en-US">
               <a:solidFill>
@@ -20516,7 +20529,7 @@
                 <a:latin typeface="Segoe UI"/>
               </a:rPr>
               <a:pPr/>
-              <a:t>6/30/16</a:t>
+              <a:t>7/7/16</a:t>
             </a:fld>
             <a:endParaRPr lang="en-US">
               <a:solidFill>
@@ -20917,7 +20930,7 @@
                 <a:latin typeface="Segoe UI"/>
               </a:rPr>
               <a:pPr/>
-              <a:t>6/30/16</a:t>
+              <a:t>7/7/16</a:t>
             </a:fld>
             <a:endParaRPr lang="en-US">
               <a:solidFill>
@@ -21071,7 +21084,7 @@
                 <a:latin typeface="Segoe UI"/>
               </a:rPr>
               <a:pPr/>
-              <a:t>6/30/16</a:t>
+              <a:t>7/7/16</a:t>
             </a:fld>
             <a:endParaRPr lang="en-US">
               <a:solidFill>
@@ -21203,7 +21216,7 @@
                 <a:latin typeface="Segoe UI"/>
               </a:rPr>
               <a:pPr/>
-              <a:t>6/30/16</a:t>
+              <a:t>7/7/16</a:t>
             </a:fld>
             <a:endParaRPr lang="en-US">
               <a:solidFill>
@@ -21515,7 +21528,7 @@
                 <a:latin typeface="Segoe UI"/>
               </a:rPr>
               <a:pPr/>
-              <a:t>6/30/16</a:t>
+              <a:t>7/7/16</a:t>
             </a:fld>
             <a:endParaRPr lang="en-US">
               <a:solidFill>
@@ -21804,7 +21817,7 @@
                 <a:latin typeface="Segoe UI"/>
               </a:rPr>
               <a:pPr/>
-              <a:t>6/30/16</a:t>
+              <a:t>7/7/16</a:t>
             </a:fld>
             <a:endParaRPr lang="en-US">
               <a:solidFill>
@@ -22009,7 +22022,7 @@
                 <a:latin typeface="Segoe UI"/>
               </a:rPr>
               <a:pPr/>
-              <a:t>6/30/16</a:t>
+              <a:t>7/7/16</a:t>
             </a:fld>
             <a:endParaRPr lang="en-US">
               <a:solidFill>
@@ -22224,7 +22237,7 @@
                 <a:latin typeface="Segoe UI"/>
               </a:rPr>
               <a:pPr/>
-              <a:t>6/30/16</a:t>
+              <a:t>7/7/16</a:t>
             </a:fld>
             <a:endParaRPr lang="en-US">
               <a:solidFill>
@@ -22552,7 +22565,7 @@
           <a:p>
             <a:fld id="{0459C166-16D3-4A25-A2F8-C51E0E346B22}" type="datetimeFigureOut">
               <a:rPr lang="en-US" smtClean="0"/>
-              <a:t>6/30/16</a:t>
+              <a:t>7/7/16</a:t>
             </a:fld>
             <a:endParaRPr lang="en-US"/>
           </a:p>
@@ -23042,7 +23055,7 @@
                 <a:latin typeface="Segoe UI"/>
               </a:rPr>
               <a:pPr/>
-              <a:t>6/30/16</a:t>
+              <a:t>7/7/16</a:t>
             </a:fld>
             <a:endParaRPr lang="en-US">
               <a:solidFill>
@@ -23247,7 +23260,7 @@
                 <a:latin typeface="Segoe UI"/>
               </a:rPr>
               <a:pPr/>
-              <a:t>6/30/16</a:t>
+              <a:t>7/7/16</a:t>
             </a:fld>
             <a:endParaRPr lang="en-US">
               <a:solidFill>
@@ -23547,7 +23560,7 @@
                 <a:latin typeface="Segoe UI"/>
               </a:rPr>
               <a:pPr/>
-              <a:t>6/30/16</a:t>
+              <a:t>7/7/16</a:t>
             </a:fld>
             <a:endParaRPr lang="en-US">
               <a:solidFill>
@@ -23821,7 +23834,7 @@
                 <a:latin typeface="Segoe UI"/>
               </a:rPr>
               <a:pPr/>
-              <a:t>6/30/16</a:t>
+              <a:t>7/7/16</a:t>
             </a:fld>
             <a:endParaRPr lang="en-US">
               <a:solidFill>
@@ -24222,7 +24235,7 @@
                 <a:latin typeface="Segoe UI"/>
               </a:rPr>
               <a:pPr/>
-              <a:t>6/30/16</a:t>
+              <a:t>7/7/16</a:t>
             </a:fld>
             <a:endParaRPr lang="en-US">
               <a:solidFill>
@@ -24376,7 +24389,7 @@
                 <a:latin typeface="Segoe UI"/>
               </a:rPr>
               <a:pPr/>
-              <a:t>6/30/16</a:t>
+              <a:t>7/7/16</a:t>
             </a:fld>
             <a:endParaRPr lang="en-US">
               <a:solidFill>
@@ -24508,7 +24521,7 @@
                 <a:latin typeface="Segoe UI"/>
               </a:rPr>
               <a:pPr/>
-              <a:t>6/30/16</a:t>
+              <a:t>7/7/16</a:t>
             </a:fld>
             <a:endParaRPr lang="en-US">
               <a:solidFill>
@@ -24820,7 +24833,7 @@
                 <a:latin typeface="Segoe UI"/>
               </a:rPr>
               <a:pPr/>
-              <a:t>6/30/16</a:t>
+              <a:t>7/7/16</a:t>
             </a:fld>
             <a:endParaRPr lang="en-US">
               <a:solidFill>
@@ -25109,7 +25122,7 @@
                 <a:latin typeface="Segoe UI"/>
               </a:rPr>
               <a:pPr/>
-              <a:t>6/30/16</a:t>
+              <a:t>7/7/16</a:t>
             </a:fld>
             <a:endParaRPr lang="en-US">
               <a:solidFill>
@@ -25314,7 +25327,7 @@
                 <a:latin typeface="Segoe UI"/>
               </a:rPr>
               <a:pPr/>
-              <a:t>6/30/16</a:t>
+              <a:t>7/7/16</a:t>
             </a:fld>
             <a:endParaRPr lang="en-US">
               <a:solidFill>
@@ -25461,7 +25474,7 @@
           <a:p>
             <a:fld id="{0459C166-16D3-4A25-A2F8-C51E0E346B22}" type="datetimeFigureOut">
               <a:rPr lang="en-US" smtClean="0"/>
-              <a:t>6/30/16</a:t>
+              <a:t>7/7/16</a:t>
             </a:fld>
             <a:endParaRPr lang="en-US"/>
           </a:p>
@@ -25921,7 +25934,7 @@
                 <a:latin typeface="Segoe UI"/>
               </a:rPr>
               <a:pPr/>
-              <a:t>6/30/16</a:t>
+              <a:t>7/7/16</a:t>
             </a:fld>
             <a:endParaRPr lang="en-US">
               <a:solidFill>
@@ -26637,7 +26650,7 @@
           <a:p>
             <a:fld id="{0459C166-16D3-4A25-A2F8-C51E0E346B22}" type="datetimeFigureOut">
               <a:rPr lang="en-US" smtClean="0"/>
-              <a:t>6/30/16</a:t>
+              <a:t>7/7/16</a:t>
             </a:fld>
             <a:endParaRPr lang="en-US"/>
           </a:p>
@@ -26848,7 +26861,7 @@
           <a:p>
             <a:fld id="{0459C166-16D3-4A25-A2F8-C51E0E346B22}" type="datetimeFigureOut">
               <a:rPr lang="en-US" smtClean="0"/>
-              <a:t>6/30/16</a:t>
+              <a:t>7/7/16</a:t>
             </a:fld>
             <a:endParaRPr lang="en-US"/>
           </a:p>
@@ -27882,7 +27895,7 @@
                 <a:latin typeface="Segoe UI"/>
               </a:rPr>
               <a:pPr/>
-              <a:t>6/30/16</a:t>
+              <a:t>7/7/16</a:t>
             </a:fld>
             <a:endParaRPr lang="en-US">
               <a:solidFill>
@@ -28458,7 +28471,7 @@
                 <a:latin typeface="Segoe UI"/>
               </a:rPr>
               <a:pPr/>
-              <a:t>6/30/16</a:t>
+              <a:t>7/7/16</a:t>
             </a:fld>
             <a:endParaRPr lang="en-US">
               <a:solidFill>
@@ -33509,9 +33522,10 @@
               <a:p>
                 <a:pPr algn="ctr"/>
                 <a:r>
-                  <a:rPr lang="en-US" kern="1200" dirty="0"/>
-                  <a:t>Windows Phone </a:t>
+                  <a:rPr lang="en-US" kern="1200" dirty="0" smtClean="0"/>
+                  <a:t>Windows </a:t>
                 </a:r>
+                <a:endParaRPr lang="en-US" kern="1200" dirty="0"/>
               </a:p>
               <a:p>
                 <a:pPr algn="ctr"/>
@@ -35596,8 +35610,21 @@
                   <a:srgbClr val="000000"/>
                 </a:solidFill>
               </a:rPr>
-              <a:t>Xamarin.iOS, Xamarin.Android, and Windows Phone</a:t>
-            </a:r>
+              <a:t>Xamarin.iOS, Xamarin.Android, and </a:t>
+            </a:r>
+            <a:r>
+              <a:rPr lang="en-US" sz="2800" dirty="0" smtClean="0">
+                <a:solidFill>
+                  <a:srgbClr val="000000"/>
+                </a:solidFill>
+              </a:rPr>
+              <a:t>Windows</a:t>
+            </a:r>
+            <a:endParaRPr lang="en-US" sz="2800" dirty="0">
+              <a:solidFill>
+                <a:srgbClr val="000000"/>
+              </a:solidFill>
+            </a:endParaRPr>
           </a:p>
           <a:p>
             <a:pPr marL="1257300" lvl="2" indent="-342900">
@@ -36852,14 +36879,14 @@
                 <a:gridCol w="5533314">
                   <a:extLst>
                     <a:ext uri="{9D8B030D-6E8A-4147-A177-3AD203B41FA5}">
-                      <a16:colId xmlns:a16="http://schemas.microsoft.com/office/drawing/2014/main" xmlns="" val="48614039"/>
+                      <a16:colId xmlns="" xmlns:a16="http://schemas.microsoft.com/office/drawing/2014/main" val="48614039"/>
                     </a:ext>
                   </a:extLst>
                 </a:gridCol>
                 <a:gridCol w="5533314">
                   <a:extLst>
                     <a:ext uri="{9D8B030D-6E8A-4147-A177-3AD203B41FA5}">
-                      <a16:colId xmlns:a16="http://schemas.microsoft.com/office/drawing/2014/main" xmlns="" val="1124546490"/>
+                      <a16:colId xmlns="" xmlns:a16="http://schemas.microsoft.com/office/drawing/2014/main" val="1124546490"/>
                     </a:ext>
                   </a:extLst>
                 </a:gridCol>
@@ -36911,7 +36938,7 @@
                 </a:tc>
                 <a:extLst>
                   <a:ext uri="{0D108BD9-81ED-4DB2-BD59-A6C34878D82A}">
-                    <a16:rowId xmlns:a16="http://schemas.microsoft.com/office/drawing/2014/main" xmlns="" val="679667022"/>
+                    <a16:rowId xmlns="" xmlns:a16="http://schemas.microsoft.com/office/drawing/2014/main" val="679667022"/>
                   </a:ext>
                 </a:extLst>
               </a:tr>
@@ -36958,7 +36985,7 @@
                 </a:tc>
                 <a:extLst>
                   <a:ext uri="{0D108BD9-81ED-4DB2-BD59-A6C34878D82A}">
-                    <a16:rowId xmlns:a16="http://schemas.microsoft.com/office/drawing/2014/main" xmlns="" val="2034482246"/>
+                    <a16:rowId xmlns="" xmlns:a16="http://schemas.microsoft.com/office/drawing/2014/main" val="2034482246"/>
                   </a:ext>
                 </a:extLst>
               </a:tr>
@@ -37010,7 +37037,7 @@
                 </a:tc>
                 <a:extLst>
                   <a:ext uri="{0D108BD9-81ED-4DB2-BD59-A6C34878D82A}">
-                    <a16:rowId xmlns:a16="http://schemas.microsoft.com/office/drawing/2014/main" xmlns="" val="682465758"/>
+                    <a16:rowId xmlns="" xmlns:a16="http://schemas.microsoft.com/office/drawing/2014/main" val="682465758"/>
                   </a:ext>
                 </a:extLst>
               </a:tr>
@@ -37069,7 +37096,7 @@
                 </a:tc>
                 <a:extLst>
                   <a:ext uri="{0D108BD9-81ED-4DB2-BD59-A6C34878D82A}">
-                    <a16:rowId xmlns:a16="http://schemas.microsoft.com/office/drawing/2014/main" xmlns="" val="4230228483"/>
+                    <a16:rowId xmlns="" xmlns:a16="http://schemas.microsoft.com/office/drawing/2014/main" val="4230228483"/>
                   </a:ext>
                 </a:extLst>
               </a:tr>
@@ -37784,7 +37811,23 @@
                   <a:srgbClr val="FFFFFF"/>
                 </a:solidFill>
               </a:rPr>
-              <a:t>View Controller (iOS), Page (Windows Phone), Activity (Android)</a:t>
+              <a:t>View Controller (iOS), Page </a:t>
+            </a:r>
+            <a:r>
+              <a:rPr lang="en-US" dirty="0" smtClean="0">
+                <a:solidFill>
+                  <a:srgbClr val="FFFFFF"/>
+                </a:solidFill>
+              </a:rPr>
+              <a:t>(Windows)</a:t>
+            </a:r>
+            <a:r>
+              <a:rPr lang="en-US" dirty="0">
+                <a:solidFill>
+                  <a:srgbClr val="FFFFFF"/>
+                </a:solidFill>
+              </a:rPr>
+              <a:t>, Activity (Android)</a:t>
             </a:r>
           </a:p>
           <a:p>
@@ -37831,14 +37874,14 @@
                 <a:gridCol w="4519730">
                   <a:extLst>
                     <a:ext uri="{9D8B030D-6E8A-4147-A177-3AD203B41FA5}">
-                      <a16:colId xmlns:a16="http://schemas.microsoft.com/office/drawing/2014/main" xmlns="" val="48614039"/>
+                      <a16:colId xmlns="" xmlns:a16="http://schemas.microsoft.com/office/drawing/2014/main" val="48614039"/>
                     </a:ext>
                   </a:extLst>
                 </a:gridCol>
                 <a:gridCol w="6546898">
                   <a:extLst>
                     <a:ext uri="{9D8B030D-6E8A-4147-A177-3AD203B41FA5}">
-                      <a16:colId xmlns:a16="http://schemas.microsoft.com/office/drawing/2014/main" xmlns="" val="1124546490"/>
+                      <a16:colId xmlns="" xmlns:a16="http://schemas.microsoft.com/office/drawing/2014/main" val="1124546490"/>
                     </a:ext>
                   </a:extLst>
                 </a:gridCol>
@@ -37890,7 +37933,7 @@
                 </a:tc>
                 <a:extLst>
                   <a:ext uri="{0D108BD9-81ED-4DB2-BD59-A6C34878D82A}">
-                    <a16:rowId xmlns:a16="http://schemas.microsoft.com/office/drawing/2014/main" xmlns="" val="679667022"/>
+                    <a16:rowId xmlns="" xmlns:a16="http://schemas.microsoft.com/office/drawing/2014/main" val="679667022"/>
                   </a:ext>
                 </a:extLst>
               </a:tr>
@@ -37943,7 +37986,7 @@
                 </a:tc>
                 <a:extLst>
                   <a:ext uri="{0D108BD9-81ED-4DB2-BD59-A6C34878D82A}">
-                    <a16:rowId xmlns:a16="http://schemas.microsoft.com/office/drawing/2014/main" xmlns="" val="2034482246"/>
+                    <a16:rowId xmlns="" xmlns:a16="http://schemas.microsoft.com/office/drawing/2014/main" val="2034482246"/>
                   </a:ext>
                 </a:extLst>
               </a:tr>
@@ -38007,7 +38050,7 @@
                 </a:tc>
                 <a:extLst>
                   <a:ext uri="{0D108BD9-81ED-4DB2-BD59-A6C34878D82A}">
-                    <a16:rowId xmlns:a16="http://schemas.microsoft.com/office/drawing/2014/main" xmlns="" val="682465758"/>
+                    <a16:rowId xmlns="" xmlns:a16="http://schemas.microsoft.com/office/drawing/2014/main" val="682465758"/>
                   </a:ext>
                 </a:extLst>
               </a:tr>
@@ -38055,7 +38098,7 @@
                 </a:tc>
                 <a:extLst>
                   <a:ext uri="{0D108BD9-81ED-4DB2-BD59-A6C34878D82A}">
-                    <a16:rowId xmlns:a16="http://schemas.microsoft.com/office/drawing/2014/main" xmlns="" val="4230228483"/>
+                    <a16:rowId xmlns="" xmlns:a16="http://schemas.microsoft.com/office/drawing/2014/main" val="4230228483"/>
                   </a:ext>
                 </a:extLst>
               </a:tr>
@@ -38112,7 +38155,7 @@
                 </a:tc>
                 <a:extLst>
                   <a:ext uri="{0D108BD9-81ED-4DB2-BD59-A6C34878D82A}">
-                    <a16:rowId xmlns:a16="http://schemas.microsoft.com/office/drawing/2014/main" xmlns="" val="3329658239"/>
+                    <a16:rowId xmlns="" xmlns:a16="http://schemas.microsoft.com/office/drawing/2014/main" val="3329658239"/>
                   </a:ext>
                 </a:extLst>
               </a:tr>
@@ -38165,7 +38208,7 @@
                 </a:tc>
                 <a:extLst>
                   <a:ext uri="{0D108BD9-81ED-4DB2-BD59-A6C34878D82A}">
-                    <a16:rowId xmlns:a16="http://schemas.microsoft.com/office/drawing/2014/main" xmlns="" val="10005"/>
+                    <a16:rowId xmlns="" xmlns:a16="http://schemas.microsoft.com/office/drawing/2014/main" val="10005"/>
                   </a:ext>
                 </a:extLst>
               </a:tr>
@@ -38439,14 +38482,14 @@
                 <a:gridCol w="4519730">
                   <a:extLst>
                     <a:ext uri="{9D8B030D-6E8A-4147-A177-3AD203B41FA5}">
-                      <a16:colId xmlns:a16="http://schemas.microsoft.com/office/drawing/2014/main" xmlns="" val="48614039"/>
+                      <a16:colId xmlns="" xmlns:a16="http://schemas.microsoft.com/office/drawing/2014/main" val="48614039"/>
                     </a:ext>
                   </a:extLst>
                 </a:gridCol>
                 <a:gridCol w="6546898">
                   <a:extLst>
                     <a:ext uri="{9D8B030D-6E8A-4147-A177-3AD203B41FA5}">
-                      <a16:colId xmlns:a16="http://schemas.microsoft.com/office/drawing/2014/main" xmlns="" val="1124546490"/>
+                      <a16:colId xmlns="" xmlns:a16="http://schemas.microsoft.com/office/drawing/2014/main" val="1124546490"/>
                     </a:ext>
                   </a:extLst>
                 </a:gridCol>
@@ -38498,7 +38541,7 @@
                 </a:tc>
                 <a:extLst>
                   <a:ext uri="{0D108BD9-81ED-4DB2-BD59-A6C34878D82A}">
-                    <a16:rowId xmlns:a16="http://schemas.microsoft.com/office/drawing/2014/main" xmlns="" val="679667022"/>
+                    <a16:rowId xmlns="" xmlns:a16="http://schemas.microsoft.com/office/drawing/2014/main" val="679667022"/>
                   </a:ext>
                 </a:extLst>
               </a:tr>
@@ -38551,7 +38594,7 @@
                 </a:tc>
                 <a:extLst>
                   <a:ext uri="{0D108BD9-81ED-4DB2-BD59-A6C34878D82A}">
-                    <a16:rowId xmlns:a16="http://schemas.microsoft.com/office/drawing/2014/main" xmlns="" val="2034482246"/>
+                    <a16:rowId xmlns="" xmlns:a16="http://schemas.microsoft.com/office/drawing/2014/main" val="2034482246"/>
                   </a:ext>
                 </a:extLst>
               </a:tr>
@@ -38603,7 +38646,7 @@
                 </a:tc>
                 <a:extLst>
                   <a:ext uri="{0D108BD9-81ED-4DB2-BD59-A6C34878D82A}">
-                    <a16:rowId xmlns:a16="http://schemas.microsoft.com/office/drawing/2014/main" xmlns="" val="682465758"/>
+                    <a16:rowId xmlns="" xmlns:a16="http://schemas.microsoft.com/office/drawing/2014/main" val="682465758"/>
                   </a:ext>
                 </a:extLst>
               </a:tr>
@@ -38654,7 +38697,7 @@
                 </a:tc>
                 <a:extLst>
                   <a:ext uri="{0D108BD9-81ED-4DB2-BD59-A6C34878D82A}">
-                    <a16:rowId xmlns:a16="http://schemas.microsoft.com/office/drawing/2014/main" xmlns="" val="4230228483"/>
+                    <a16:rowId xmlns="" xmlns:a16="http://schemas.microsoft.com/office/drawing/2014/main" val="4230228483"/>
                   </a:ext>
                 </a:extLst>
               </a:tr>
@@ -38707,7 +38750,7 @@
                 </a:tc>
                 <a:extLst>
                   <a:ext uri="{0D108BD9-81ED-4DB2-BD59-A6C34878D82A}">
-                    <a16:rowId xmlns:a16="http://schemas.microsoft.com/office/drawing/2014/main" xmlns="" val="3329658239"/>
+                    <a16:rowId xmlns="" xmlns:a16="http://schemas.microsoft.com/office/drawing/2014/main" val="3329658239"/>
                   </a:ext>
                 </a:extLst>
               </a:tr>
@@ -38759,7 +38802,7 @@
                 </a:tc>
                 <a:extLst>
                   <a:ext uri="{0D108BD9-81ED-4DB2-BD59-A6C34878D82A}">
-                    <a16:rowId xmlns:a16="http://schemas.microsoft.com/office/drawing/2014/main" xmlns="" val="10005"/>
+                    <a16:rowId xmlns="" xmlns:a16="http://schemas.microsoft.com/office/drawing/2014/main" val="10005"/>
                   </a:ext>
                 </a:extLst>
               </a:tr>
@@ -45520,7 +45563,7 @@
   <a:extraClrSchemeLst/>
   <a:extLst>
     <a:ext uri="{05A4C25C-085E-4340-85A3-A5531E510DB2}">
-      <thm15:themeFamily xmlns:thm15="http://schemas.microsoft.com/office/thememl/2012/main" xmlns="" name="Office Theme" id="{62F939B6-93AF-4DB8-9C6B-D6C7DFDC589F}" vid="{4A3C46E8-61CC-4603-A589-7422A47A8E4A}"/>
+      <thm15:themeFamily xmlns="" xmlns:thm15="http://schemas.microsoft.com/office/thememl/2012/main" name="Office Theme" id="{62F939B6-93AF-4DB8-9C6B-D6C7DFDC589F}" vid="{4A3C46E8-61CC-4603-A589-7422A47A8E4A}"/>
     </a:ext>
   </a:extLst>
 </a:theme>
@@ -45853,7 +45896,7 @@
   <a:extraClrSchemeLst/>
   <a:extLst>
     <a:ext uri="{05A4C25C-085E-4340-85A3-A5531E510DB2}">
-      <thm15:themeFamily xmlns:thm15="http://schemas.microsoft.com/office/thememl/2012/main" xmlns="" name="Azure4ResearchTemplate" id="{DD1C6CE8-BDBA-0D4F-9930-3643ABC8EF0E}" vid="{B5C66FD7-0952-994B-96D6-AB3BB89097FE}"/>
+      <thm15:themeFamily xmlns="" xmlns:thm15="http://schemas.microsoft.com/office/thememl/2012/main" name="Azure4ResearchTemplate" id="{DD1C6CE8-BDBA-0D4F-9930-3643ABC8EF0E}" vid="{B5C66FD7-0952-994B-96D6-AB3BB89097FE}"/>
     </a:ext>
   </a:extLst>
 </a:theme>
@@ -46054,7 +46097,7 @@
   <a:extraClrSchemeLst/>
   <a:extLst>
     <a:ext uri="{05A4C25C-085E-4340-85A3-A5531E510DB2}">
-      <thm15:themeFamily xmlns:thm15="http://schemas.microsoft.com/office/thememl/2012/main" xmlns="" name="Office Theme" id="{62F939B6-93AF-4DB8-9C6B-D6C7DFDC589F}" vid="{4A3C46E8-61CC-4603-A589-7422A47A8E4A}"/>
+      <thm15:themeFamily xmlns="" xmlns:thm15="http://schemas.microsoft.com/office/thememl/2012/main" name="Office Theme" id="{62F939B6-93AF-4DB8-9C6B-D6C7DFDC589F}" vid="{4A3C46E8-61CC-4603-A589-7422A47A8E4A}"/>
     </a:ext>
   </a:extLst>
 </a:theme>
@@ -46255,7 +46298,7 @@
   <a:extraClrSchemeLst/>
   <a:extLst>
     <a:ext uri="{05A4C25C-085E-4340-85A3-A5531E510DB2}">
-      <thm15:themeFamily xmlns:thm15="http://schemas.microsoft.com/office/thememl/2012/main" xmlns="" name="Office Theme" id="{62F939B6-93AF-4DB8-9C6B-D6C7DFDC589F}" vid="{4A3C46E8-61CC-4603-A589-7422A47A8E4A}"/>
+      <thm15:themeFamily xmlns="" xmlns:thm15="http://schemas.microsoft.com/office/thememl/2012/main" name="Office Theme" id="{62F939B6-93AF-4DB8-9C6B-D6C7DFDC589F}" vid="{4A3C46E8-61CC-4603-A589-7422A47A8E4A}"/>
     </a:ext>
   </a:extLst>
 </a:theme>
@@ -46550,7 +46593,7 @@
   <a:extraClrSchemeLst/>
   <a:extLst>
     <a:ext uri="{05A4C25C-085E-4340-85A3-A5531E510DB2}">
-      <thm15:themeFamily xmlns:thm15="http://schemas.microsoft.com/office/thememl/2012/main" xmlns="" name="Office Theme" id="{62F939B6-93AF-4DB8-9C6B-D6C7DFDC589F}" vid="{4A3C46E8-61CC-4603-A589-7422A47A8E4A}"/>
+      <thm15:themeFamily xmlns="" xmlns:thm15="http://schemas.microsoft.com/office/thememl/2012/main" name="Office Theme" id="{62F939B6-93AF-4DB8-9C6B-D6C7DFDC589F}" vid="{4A3C46E8-61CC-4603-A589-7422A47A8E4A}"/>
     </a:ext>
   </a:extLst>
 </a:theme>

--- a/Complimentary Course Content/Module3/Lessons/Module3_Lesson09 Cross-Platform User Interfaces with Xamarin.Forms.pptx
+++ b/Complimentary Course Content/Module3/Lessons/Module3_Lesson09 Cross-Platform User Interfaces with Xamarin.Forms.pptx
@@ -150,7 +150,7 @@
   </p:defaultTextStyle>
   <p:extLst>
     <p:ext uri="{EFAFB233-063F-42B5-8137-9DF3F51BA10A}">
-      <p15:sldGuideLst xmlns="" xmlns:p15="http://schemas.microsoft.com/office/powerpoint/2012/main">
+      <p15:sldGuideLst xmlns:p15="http://schemas.microsoft.com/office/powerpoint/2012/main">
         <p15:guide id="1" orient="horz" pos="2160">
           <p15:clr>
             <a:srgbClr val="A4A3A4"/>
@@ -259,7 +259,7 @@
           <a:p>
             <a:fld id="{49B60EF2-7028-489F-85D8-FE86CD7CF2A0}" type="datetimeFigureOut">
               <a:rPr lang="en-US" smtClean="0"/>
-              <a:t>7/7/16</a:t>
+              <a:t>9/9/16</a:t>
             </a:fld>
             <a:endParaRPr lang="en-US"/>
           </a:p>
@@ -570,6 +570,117 @@
           <a:bodyPr/>
           <a:lstStyle/>
           <a:p>
+            <a:r>
+              <a:rPr lang="en-US" sz="1200" b="0" i="0" kern="1200" dirty="0" smtClean="0">
+                <a:solidFill>
+                  <a:schemeClr val="tx1"/>
+                </a:solidFill>
+                <a:effectLst/>
+                <a:latin typeface="+mn-lt"/>
+                <a:ea typeface="+mn-ea"/>
+                <a:cs typeface="+mn-cs"/>
+              </a:rPr>
+              <a:t>Images and excerpts from </a:t>
+            </a:r>
+            <a:r>
+              <a:rPr lang="en-US" sz="1200" b="0" i="1" kern="1200" dirty="0" err="1" smtClean="0">
+                <a:solidFill>
+                  <a:schemeClr val="tx1"/>
+                </a:solidFill>
+                <a:effectLst/>
+                <a:latin typeface="+mn-lt"/>
+                <a:ea typeface="+mn-ea"/>
+                <a:cs typeface="+mn-cs"/>
+              </a:rPr>
+              <a:t>Xamarin</a:t>
+            </a:r>
+            <a:r>
+              <a:rPr lang="en-US" sz="1200" b="0" i="1" kern="1200" dirty="0" smtClean="0">
+                <a:solidFill>
+                  <a:schemeClr val="tx1"/>
+                </a:solidFill>
+                <a:effectLst/>
+                <a:latin typeface="+mn-lt"/>
+                <a:ea typeface="+mn-ea"/>
+                <a:cs typeface="+mn-cs"/>
+              </a:rPr>
+              <a:t> Mobile Application Development </a:t>
+            </a:r>
+            <a:r>
+              <a:rPr lang="en-US" sz="1200" b="0" i="0" kern="1200" dirty="0" smtClean="0">
+                <a:solidFill>
+                  <a:schemeClr val="tx1"/>
+                </a:solidFill>
+                <a:effectLst/>
+                <a:latin typeface="+mn-lt"/>
+                <a:ea typeface="+mn-ea"/>
+                <a:cs typeface="+mn-cs"/>
+              </a:rPr>
+              <a:t>by Dan Hermes, published by </a:t>
+            </a:r>
+            <a:r>
+              <a:rPr lang="en-US" sz="1200" b="0" i="0" kern="1200" dirty="0" err="1" smtClean="0">
+                <a:solidFill>
+                  <a:schemeClr val="tx1"/>
+                </a:solidFill>
+                <a:effectLst/>
+                <a:latin typeface="+mn-lt"/>
+                <a:ea typeface="+mn-ea"/>
+                <a:cs typeface="+mn-cs"/>
+              </a:rPr>
+              <a:t>Apress</a:t>
+            </a:r>
+            <a:r>
+              <a:rPr lang="en-US" sz="1200" b="0" i="0" kern="1200" dirty="0" smtClean="0">
+                <a:solidFill>
+                  <a:schemeClr val="tx1"/>
+                </a:solidFill>
+                <a:effectLst/>
+                <a:latin typeface="+mn-lt"/>
+                <a:ea typeface="+mn-ea"/>
+                <a:cs typeface="+mn-cs"/>
+              </a:rPr>
+              <a:t>  </a:t>
+            </a:r>
+          </a:p>
+          <a:p>
+            <a:r>
+              <a:rPr lang="en-US" sz="1200" b="0" i="0" kern="1200" dirty="0" smtClean="0">
+                <a:solidFill>
+                  <a:schemeClr val="tx1"/>
+                </a:solidFill>
+                <a:effectLst/>
+                <a:latin typeface="+mn-lt"/>
+                <a:ea typeface="+mn-ea"/>
+                <a:cs typeface="+mn-cs"/>
+                <a:hlinkClick r:id="rId3"/>
+              </a:rPr>
+              <a:t>http://www.mobilecsharpcafe.com/xamarin</a:t>
+            </a:r>
+            <a:r>
+              <a:rPr lang="en-US" sz="1200" b="0" i="0" kern="1200" smtClean="0">
+                <a:solidFill>
+                  <a:schemeClr val="tx1"/>
+                </a:solidFill>
+                <a:effectLst/>
+                <a:latin typeface="+mn-lt"/>
+                <a:ea typeface="+mn-ea"/>
+                <a:cs typeface="+mn-cs"/>
+                <a:hlinkClick r:id="rId3"/>
+              </a:rPr>
+              <a:t>-book/</a:t>
+            </a:r>
+            <a:endParaRPr lang="en-US" sz="1200" b="0" i="0" kern="1200" smtClean="0">
+              <a:solidFill>
+                <a:schemeClr val="tx1"/>
+              </a:solidFill>
+              <a:effectLst/>
+              <a:latin typeface="+mn-lt"/>
+              <a:ea typeface="+mn-ea"/>
+              <a:cs typeface="+mn-cs"/>
+            </a:endParaRPr>
+          </a:p>
+          <a:p>
             <a:endParaRPr lang="en-US" dirty="0"/>
           </a:p>
         </p:txBody>
@@ -649,7 +760,7 @@
           </a:ln>
           <a:extLst>
             <a:ext uri="{909E8E84-426E-40dd-AFC4-6F175D3DCCD1}">
-              <a14:hiddenFill xmlns:a14="http://schemas.microsoft.com/office/drawing/2010/main">
+              <a14:hiddenFill xmlns:a14="http://schemas.microsoft.com/office/drawing/2010/main" xmlns="">
                 <a:solidFill>
                   <a:srgbClr val="FFFFFF"/>
                 </a:solidFill>
@@ -672,14 +783,14 @@
           <a:noFill/>
           <a:extLst>
             <a:ext uri="{909E8E84-426E-40dd-AFC4-6F175D3DCCD1}">
-              <a14:hiddenFill xmlns:a14="http://schemas.microsoft.com/office/drawing/2010/main">
+              <a14:hiddenFill xmlns:a14="http://schemas.microsoft.com/office/drawing/2010/main" xmlns="">
                 <a:solidFill>
                   <a:srgbClr val="FFFFFF"/>
                 </a:solidFill>
               </a14:hiddenFill>
             </a:ext>
             <a:ext uri="{91240B29-F687-4f45-9708-019B960494DF}">
-              <a14:hiddenLine xmlns:a14="http://schemas.microsoft.com/office/drawing/2010/main" w="9525">
+              <a14:hiddenLine xmlns:a14="http://schemas.microsoft.com/office/drawing/2010/main" xmlns="" w="9525">
                 <a:solidFill>
                   <a:srgbClr val="000000"/>
                 </a:solidFill>
@@ -716,14 +827,14 @@
           <a:noFill/>
           <a:extLst>
             <a:ext uri="{909E8E84-426E-40dd-AFC4-6F175D3DCCD1}">
-              <a14:hiddenFill xmlns:a14="http://schemas.microsoft.com/office/drawing/2010/main">
+              <a14:hiddenFill xmlns:a14="http://schemas.microsoft.com/office/drawing/2010/main" xmlns="">
                 <a:solidFill>
                   <a:srgbClr val="FFFFFF"/>
                 </a:solidFill>
               </a14:hiddenFill>
             </a:ext>
             <a:ext uri="{91240B29-F687-4f45-9708-019B960494DF}">
-              <a14:hiddenLine xmlns:a14="http://schemas.microsoft.com/office/drawing/2010/main" w="9525">
+              <a14:hiddenLine xmlns:a14="http://schemas.microsoft.com/office/drawing/2010/main" xmlns="" w="9525">
                 <a:solidFill>
                   <a:srgbClr val="000000"/>
                 </a:solidFill>
@@ -904,7 +1015,7 @@
           </a:ln>
           <a:extLst>
             <a:ext uri="{909E8E84-426E-40dd-AFC4-6F175D3DCCD1}">
-              <a14:hiddenFill xmlns:a14="http://schemas.microsoft.com/office/drawing/2010/main">
+              <a14:hiddenFill xmlns:a14="http://schemas.microsoft.com/office/drawing/2010/main" xmlns="">
                 <a:solidFill>
                   <a:srgbClr val="FFFFFF"/>
                 </a:solidFill>
@@ -927,14 +1038,14 @@
           <a:noFill/>
           <a:extLst>
             <a:ext uri="{909E8E84-426E-40dd-AFC4-6F175D3DCCD1}">
-              <a14:hiddenFill xmlns:a14="http://schemas.microsoft.com/office/drawing/2010/main">
+              <a14:hiddenFill xmlns:a14="http://schemas.microsoft.com/office/drawing/2010/main" xmlns="">
                 <a:solidFill>
                   <a:srgbClr val="FFFFFF"/>
                 </a:solidFill>
               </a14:hiddenFill>
             </a:ext>
             <a:ext uri="{91240B29-F687-4f45-9708-019B960494DF}">
-              <a14:hiddenLine xmlns:a14="http://schemas.microsoft.com/office/drawing/2010/main" w="9525">
+              <a14:hiddenLine xmlns:a14="http://schemas.microsoft.com/office/drawing/2010/main" xmlns="" w="9525">
                 <a:solidFill>
                   <a:srgbClr val="000000"/>
                 </a:solidFill>
@@ -971,14 +1082,14 @@
           <a:noFill/>
           <a:extLst>
             <a:ext uri="{909E8E84-426E-40dd-AFC4-6F175D3DCCD1}">
-              <a14:hiddenFill xmlns:a14="http://schemas.microsoft.com/office/drawing/2010/main">
+              <a14:hiddenFill xmlns:a14="http://schemas.microsoft.com/office/drawing/2010/main" xmlns="">
                 <a:solidFill>
                   <a:srgbClr val="FFFFFF"/>
                 </a:solidFill>
               </a14:hiddenFill>
             </a:ext>
             <a:ext uri="{91240B29-F687-4f45-9708-019B960494DF}">
-              <a14:hiddenLine xmlns:a14="http://schemas.microsoft.com/office/drawing/2010/main" w="9525">
+              <a14:hiddenLine xmlns:a14="http://schemas.microsoft.com/office/drawing/2010/main" xmlns="" w="9525">
                 <a:solidFill>
                   <a:srgbClr val="000000"/>
                 </a:solidFill>
@@ -6199,7 +6310,7 @@
           </a:ln>
           <a:extLst>
             <a:ext uri="{909E8E84-426E-40dd-AFC4-6F175D3DCCD1}">
-              <a14:hiddenFill xmlns:a14="http://schemas.microsoft.com/office/drawing/2010/main">
+              <a14:hiddenFill xmlns:a14="http://schemas.microsoft.com/office/drawing/2010/main" xmlns="">
                 <a:solidFill>
                   <a:srgbClr val="FFFFFF"/>
                 </a:solidFill>
@@ -6222,14 +6333,14 @@
           <a:noFill/>
           <a:extLst>
             <a:ext uri="{909E8E84-426E-40dd-AFC4-6F175D3DCCD1}">
-              <a14:hiddenFill xmlns:a14="http://schemas.microsoft.com/office/drawing/2010/main">
+              <a14:hiddenFill xmlns:a14="http://schemas.microsoft.com/office/drawing/2010/main" xmlns="">
                 <a:solidFill>
                   <a:srgbClr val="FFFFFF"/>
                 </a:solidFill>
               </a14:hiddenFill>
             </a:ext>
             <a:ext uri="{91240B29-F687-4f45-9708-019B960494DF}">
-              <a14:hiddenLine xmlns:a14="http://schemas.microsoft.com/office/drawing/2010/main" w="9525">
+              <a14:hiddenLine xmlns:a14="http://schemas.microsoft.com/office/drawing/2010/main" xmlns="" w="9525">
                 <a:solidFill>
                   <a:srgbClr val="000000"/>
                 </a:solidFill>
@@ -6288,14 +6399,14 @@
           <a:noFill/>
           <a:extLst>
             <a:ext uri="{909E8E84-426E-40dd-AFC4-6F175D3DCCD1}">
-              <a14:hiddenFill xmlns:a14="http://schemas.microsoft.com/office/drawing/2010/main">
+              <a14:hiddenFill xmlns:a14="http://schemas.microsoft.com/office/drawing/2010/main" xmlns="">
                 <a:solidFill>
                   <a:srgbClr val="FFFFFF"/>
                 </a:solidFill>
               </a14:hiddenFill>
             </a:ext>
             <a:ext uri="{91240B29-F687-4f45-9708-019B960494DF}">
-              <a14:hiddenLine xmlns:a14="http://schemas.microsoft.com/office/drawing/2010/main" w="9525">
+              <a14:hiddenLine xmlns:a14="http://schemas.microsoft.com/office/drawing/2010/main" xmlns="" w="9525">
                 <a:solidFill>
                   <a:srgbClr val="000000"/>
                 </a:solidFill>
@@ -6476,7 +6587,7 @@
           </a:ln>
           <a:extLst>
             <a:ext uri="{909E8E84-426E-40dd-AFC4-6F175D3DCCD1}">
-              <a14:hiddenFill xmlns:a14="http://schemas.microsoft.com/office/drawing/2010/main">
+              <a14:hiddenFill xmlns:a14="http://schemas.microsoft.com/office/drawing/2010/main" xmlns="">
                 <a:solidFill>
                   <a:srgbClr val="FFFFFF"/>
                 </a:solidFill>
@@ -6499,14 +6610,14 @@
           <a:noFill/>
           <a:extLst>
             <a:ext uri="{909E8E84-426E-40dd-AFC4-6F175D3DCCD1}">
-              <a14:hiddenFill xmlns:a14="http://schemas.microsoft.com/office/drawing/2010/main">
+              <a14:hiddenFill xmlns:a14="http://schemas.microsoft.com/office/drawing/2010/main" xmlns="">
                 <a:solidFill>
                   <a:srgbClr val="FFFFFF"/>
                 </a:solidFill>
               </a14:hiddenFill>
             </a:ext>
             <a:ext uri="{91240B29-F687-4f45-9708-019B960494DF}">
-              <a14:hiddenLine xmlns:a14="http://schemas.microsoft.com/office/drawing/2010/main" w="9525">
+              <a14:hiddenLine xmlns:a14="http://schemas.microsoft.com/office/drawing/2010/main" xmlns="" w="9525">
                 <a:solidFill>
                   <a:srgbClr val="000000"/>
                 </a:solidFill>
@@ -6565,14 +6676,14 @@
           <a:noFill/>
           <a:extLst>
             <a:ext uri="{909E8E84-426E-40dd-AFC4-6F175D3DCCD1}">
-              <a14:hiddenFill xmlns:a14="http://schemas.microsoft.com/office/drawing/2010/main">
+              <a14:hiddenFill xmlns:a14="http://schemas.microsoft.com/office/drawing/2010/main" xmlns="">
                 <a:solidFill>
                   <a:srgbClr val="FFFFFF"/>
                 </a:solidFill>
               </a14:hiddenFill>
             </a:ext>
             <a:ext uri="{91240B29-F687-4f45-9708-019B960494DF}">
-              <a14:hiddenLine xmlns:a14="http://schemas.microsoft.com/office/drawing/2010/main" w="9525">
+              <a14:hiddenLine xmlns:a14="http://schemas.microsoft.com/office/drawing/2010/main" xmlns="" w="9525">
                 <a:solidFill>
                   <a:srgbClr val="000000"/>
                 </a:solidFill>
@@ -6753,7 +6864,7 @@
           </a:ln>
           <a:extLst>
             <a:ext uri="{909E8E84-426E-40dd-AFC4-6F175D3DCCD1}">
-              <a14:hiddenFill xmlns:a14="http://schemas.microsoft.com/office/drawing/2010/main">
+              <a14:hiddenFill xmlns:a14="http://schemas.microsoft.com/office/drawing/2010/main" xmlns="">
                 <a:solidFill>
                   <a:srgbClr val="FFFFFF"/>
                 </a:solidFill>
@@ -6776,14 +6887,14 @@
           <a:noFill/>
           <a:extLst>
             <a:ext uri="{909E8E84-426E-40dd-AFC4-6F175D3DCCD1}">
-              <a14:hiddenFill xmlns:a14="http://schemas.microsoft.com/office/drawing/2010/main">
+              <a14:hiddenFill xmlns:a14="http://schemas.microsoft.com/office/drawing/2010/main" xmlns="">
                 <a:solidFill>
                   <a:srgbClr val="FFFFFF"/>
                 </a:solidFill>
               </a14:hiddenFill>
             </a:ext>
             <a:ext uri="{91240B29-F687-4f45-9708-019B960494DF}">
-              <a14:hiddenLine xmlns:a14="http://schemas.microsoft.com/office/drawing/2010/main" w="9525">
+              <a14:hiddenLine xmlns:a14="http://schemas.microsoft.com/office/drawing/2010/main" xmlns="" w="9525">
                 <a:solidFill>
                   <a:srgbClr val="000000"/>
                 </a:solidFill>
@@ -6922,14 +7033,14 @@
           <a:noFill/>
           <a:extLst>
             <a:ext uri="{909E8E84-426E-40dd-AFC4-6F175D3DCCD1}">
-              <a14:hiddenFill xmlns:a14="http://schemas.microsoft.com/office/drawing/2010/main">
+              <a14:hiddenFill xmlns:a14="http://schemas.microsoft.com/office/drawing/2010/main" xmlns="">
                 <a:solidFill>
                   <a:srgbClr val="FFFFFF"/>
                 </a:solidFill>
               </a14:hiddenFill>
             </a:ext>
             <a:ext uri="{91240B29-F687-4f45-9708-019B960494DF}">
-              <a14:hiddenLine xmlns:a14="http://schemas.microsoft.com/office/drawing/2010/main" w="9525">
+              <a14:hiddenLine xmlns:a14="http://schemas.microsoft.com/office/drawing/2010/main" xmlns="" w="9525">
                 <a:solidFill>
                   <a:srgbClr val="000000"/>
                 </a:solidFill>
@@ -7350,7 +7461,7 @@
           <a:p>
             <a:fld id="{0459C166-16D3-4A25-A2F8-C51E0E346B22}" type="datetimeFigureOut">
               <a:rPr lang="en-US" smtClean="0"/>
-              <a:t>7/7/16</a:t>
+              <a:t>9/9/16</a:t>
             </a:fld>
             <a:endParaRPr lang="en-US"/>
           </a:p>
@@ -7714,7 +7825,7 @@
           <a:p>
             <a:fld id="{0459C166-16D3-4A25-A2F8-C51E0E346B22}" type="datetimeFigureOut">
               <a:rPr lang="en-US" smtClean="0"/>
-              <a:t>7/7/16</a:t>
+              <a:t>9/9/16</a:t>
             </a:fld>
             <a:endParaRPr lang="en-US"/>
           </a:p>
@@ -7831,7 +7942,7 @@
           <a:p>
             <a:fld id="{0459C166-16D3-4A25-A2F8-C51E0E346B22}" type="datetimeFigureOut">
               <a:rPr lang="en-US" smtClean="0"/>
-              <a:t>7/7/16</a:t>
+              <a:t>9/9/16</a:t>
             </a:fld>
             <a:endParaRPr lang="en-US"/>
           </a:p>
@@ -7926,7 +8037,7 @@
           <a:p>
             <a:fld id="{0459C166-16D3-4A25-A2F8-C51E0E346B22}" type="datetimeFigureOut">
               <a:rPr lang="en-US" smtClean="0"/>
-              <a:t>7/7/16</a:t>
+              <a:t>9/9/16</a:t>
             </a:fld>
             <a:endParaRPr lang="en-US"/>
           </a:p>
@@ -8201,7 +8312,7 @@
           <a:p>
             <a:fld id="{0459C166-16D3-4A25-A2F8-C51E0E346B22}" type="datetimeFigureOut">
               <a:rPr lang="en-US" smtClean="0"/>
-              <a:t>7/7/16</a:t>
+              <a:t>9/9/16</a:t>
             </a:fld>
             <a:endParaRPr lang="en-US"/>
           </a:p>
@@ -8453,7 +8564,7 @@
           <a:p>
             <a:fld id="{0459C166-16D3-4A25-A2F8-C51E0E346B22}" type="datetimeFigureOut">
               <a:rPr lang="en-US" smtClean="0"/>
-              <a:t>7/7/16</a:t>
+              <a:t>9/9/16</a:t>
             </a:fld>
             <a:endParaRPr lang="en-US"/>
           </a:p>
@@ -8621,7 +8732,7 @@
           <a:p>
             <a:fld id="{0459C166-16D3-4A25-A2F8-C51E0E346B22}" type="datetimeFigureOut">
               <a:rPr lang="en-US" smtClean="0"/>
-              <a:t>7/7/16</a:t>
+              <a:t>9/9/16</a:t>
             </a:fld>
             <a:endParaRPr lang="en-US"/>
           </a:p>
@@ -8799,7 +8910,7 @@
           <a:p>
             <a:fld id="{0459C166-16D3-4A25-A2F8-C51E0E346B22}" type="datetimeFigureOut">
               <a:rPr lang="en-US" smtClean="0"/>
-              <a:t>7/7/16</a:t>
+              <a:t>9/9/16</a:t>
             </a:fld>
             <a:endParaRPr lang="en-US"/>
           </a:p>
@@ -9049,7 +9160,7 @@
   <p:clrMapOvr>
     <a:masterClrMapping/>
   </p:clrMapOvr>
-  <p:transition xmlns:p14="http://schemas.microsoft.com/office/powerpoint/2010/main">
+  <p:transition>
     <p:fade/>
   </p:transition>
 </p:sldLayout>
@@ -9202,7 +9313,7 @@
   <p:clrMapOvr>
     <a:masterClrMapping/>
   </p:clrMapOvr>
-  <p:transition xmlns:p14="http://schemas.microsoft.com/office/powerpoint/2010/main">
+  <p:transition>
     <p:fade/>
   </p:transition>
 </p:sldLayout>
@@ -9569,7 +9680,7 @@
   <p:clrMapOvr>
     <a:masterClrMapping/>
   </p:clrMapOvr>
-  <p:transition xmlns:p14="http://schemas.microsoft.com/office/powerpoint/2010/main">
+  <p:transition>
     <p:fade/>
   </p:transition>
 </p:sldLayout>
@@ -9682,7 +9793,7 @@
           <a:p>
             <a:fld id="{0459C166-16D3-4A25-A2F8-C51E0E346B22}" type="datetimeFigureOut">
               <a:rPr lang="en-US" smtClean="0"/>
-              <a:t>7/7/16</a:t>
+              <a:t>9/9/16</a:t>
             </a:fld>
             <a:endParaRPr lang="en-US"/>
           </a:p>
@@ -10194,7 +10305,7 @@
   <p:clrMapOvr>
     <a:masterClrMapping/>
   </p:clrMapOvr>
-  <p:transition xmlns:p14="http://schemas.microsoft.com/office/powerpoint/2010/main">
+  <p:transition>
     <p:fade/>
   </p:transition>
 </p:sldLayout>
@@ -10757,7 +10868,7 @@
   <p:clrMapOvr>
     <a:masterClrMapping/>
   </p:clrMapOvr>
-  <p:transition xmlns:p14="http://schemas.microsoft.com/office/powerpoint/2010/main">
+  <p:transition>
     <p:fade/>
   </p:transition>
 </p:sldLayout>
@@ -10859,7 +10970,7 @@
   <p:clrMapOvr>
     <a:masterClrMapping/>
   </p:clrMapOvr>
-  <p:transition xmlns:p14="http://schemas.microsoft.com/office/powerpoint/2010/main">
+  <p:transition>
     <p:fade/>
   </p:transition>
 </p:sldLayout>
@@ -10929,7 +11040,7 @@
   <p:clrMapOvr>
     <a:masterClrMapping/>
   </p:clrMapOvr>
-  <p:transition xmlns:p14="http://schemas.microsoft.com/office/powerpoint/2010/main">
+  <p:transition>
     <p:fade/>
   </p:transition>
 </p:sldLayout>
@@ -10962,7 +11073,7 @@
   <p:clrMapOvr>
     <a:masterClrMapping/>
   </p:clrMapOvr>
-  <p:transition xmlns:p14="http://schemas.microsoft.com/office/powerpoint/2010/main">
+  <p:transition>
     <p:fade/>
   </p:transition>
 </p:sldLayout>
@@ -11558,7 +11669,7 @@
   <p:clrMapOvr>
     <a:masterClrMapping/>
   </p:clrMapOvr>
-  <p:transition xmlns:p14="http://schemas.microsoft.com/office/powerpoint/2010/main">
+  <p:transition>
     <p:fade/>
   </p:transition>
 </p:sldLayout>
@@ -12181,7 +12292,7 @@
   <p:clrMapOvr>
     <a:masterClrMapping/>
   </p:clrMapOvr>
-  <p:transition xmlns:p14="http://schemas.microsoft.com/office/powerpoint/2010/main">
+  <p:transition>
     <p:fade/>
   </p:transition>
 </p:sldLayout>
@@ -12729,7 +12840,7 @@
           </a:ln>
           <a:extLst>
             <a:ext uri="{91240B29-F687-4f45-9708-019B960494DF}">
-              <a14:hiddenLine xmlns:a14="http://schemas.microsoft.com/office/drawing/2010/main" w="9525">
+              <a14:hiddenLine xmlns:a14="http://schemas.microsoft.com/office/drawing/2010/main" xmlns="" w="9525">
                 <a:solidFill>
                   <a:srgbClr val="000000"/>
                 </a:solidFill>
@@ -12768,7 +12879,7 @@
   <p:clrMapOvr>
     <a:masterClrMapping/>
   </p:clrMapOvr>
-  <p:transition xmlns:p14="http://schemas.microsoft.com/office/powerpoint/2010/main">
+  <p:transition>
     <p:fade/>
   </p:transition>
 </p:sldLayout>
@@ -14374,7 +14485,7 @@
   <p:clrMapOvr>
     <a:masterClrMapping/>
   </p:clrMapOvr>
-  <p:transition xmlns:p14="http://schemas.microsoft.com/office/powerpoint/2010/main">
+  <p:transition>
     <p:fade/>
   </p:transition>
 </p:sldLayout>
@@ -15004,7 +15115,7 @@
   <p:clrMapOvr>
     <a:masterClrMapping/>
   </p:clrMapOvr>
-  <p:transition xmlns:p14="http://schemas.microsoft.com/office/powerpoint/2010/main">
+  <p:transition>
     <p:fade/>
   </p:transition>
 </p:sldLayout>
@@ -15213,7 +15324,7 @@
             <a:fld id="{0459C166-16D3-4A25-A2F8-C51E0E346B22}" type="datetimeFigureOut">
               <a:rPr lang="en-US" smtClean="0"/>
               <a:pPr/>
-              <a:t>7/7/16</a:t>
+              <a:t>9/9/16</a:t>
             </a:fld>
             <a:endParaRPr lang="en-US"/>
           </a:p>
@@ -15592,7 +15703,7 @@
             </a:ln>
             <a:extLst>
               <a:ext uri="{91240B29-F687-4f45-9708-019B960494DF}">
-                <a14:hiddenLine xmlns:a14="http://schemas.microsoft.com/office/drawing/2010/main" w="9525">
+                <a14:hiddenLine xmlns:a14="http://schemas.microsoft.com/office/drawing/2010/main" xmlns="" w="9525">
                   <a:solidFill>
                     <a:srgbClr val="000000"/>
                   </a:solidFill>
@@ -16172,7 +16283,7 @@
             </a:ln>
             <a:extLst>
               <a:ext uri="{91240B29-F687-4f45-9708-019B960494DF}">
-                <a14:hiddenLine xmlns:a14="http://schemas.microsoft.com/office/drawing/2010/main" w="9525">
+                <a14:hiddenLine xmlns:a14="http://schemas.microsoft.com/office/drawing/2010/main" xmlns="" w="9525">
                   <a:solidFill>
                     <a:srgbClr val="000000"/>
                   </a:solidFill>
@@ -16212,7 +16323,7 @@
   <p:clrMapOvr>
     <a:masterClrMapping/>
   </p:clrMapOvr>
-  <p:transition xmlns:p14="http://schemas.microsoft.com/office/powerpoint/2010/main">
+  <p:transition>
     <p:fade/>
   </p:transition>
 </p:sldLayout>
@@ -16349,7 +16460,7 @@
   <p:clrMapOvr>
     <a:masterClrMapping/>
   </p:clrMapOvr>
-  <p:transition xmlns:p14="http://schemas.microsoft.com/office/powerpoint/2010/main">
+  <p:transition>
     <p:fade/>
   </p:transition>
 </p:sldLayout>
@@ -17615,7 +17726,7 @@
             </a:ln>
             <a:extLst>
               <a:ext uri="{91240B29-F687-4f45-9708-019B960494DF}">
-                <a14:hiddenLine xmlns:a14="http://schemas.microsoft.com/office/drawing/2010/main" w="9525">
+                <a14:hiddenLine xmlns:a14="http://schemas.microsoft.com/office/drawing/2010/main" xmlns="" w="9525">
                   <a:solidFill>
                     <a:srgbClr val="000000"/>
                   </a:solidFill>
@@ -17667,7 +17778,7 @@
             </a:ln>
             <a:extLst>
               <a:ext uri="{91240B29-F687-4f45-9708-019B960494DF}">
-                <a14:hiddenLine xmlns:a14="http://schemas.microsoft.com/office/drawing/2010/main" w="9525">
+                <a14:hiddenLine xmlns:a14="http://schemas.microsoft.com/office/drawing/2010/main" xmlns="" w="9525">
                   <a:solidFill>
                     <a:srgbClr val="000000"/>
                   </a:solidFill>
@@ -17719,7 +17830,7 @@
             </a:ln>
             <a:extLst>
               <a:ext uri="{91240B29-F687-4f45-9708-019B960494DF}">
-                <a14:hiddenLine xmlns:a14="http://schemas.microsoft.com/office/drawing/2010/main" w="9525">
+                <a14:hiddenLine xmlns:a14="http://schemas.microsoft.com/office/drawing/2010/main" xmlns="" w="9525">
                   <a:solidFill>
                     <a:srgbClr val="000000"/>
                   </a:solidFill>
@@ -17771,7 +17882,7 @@
             </a:ln>
             <a:extLst>
               <a:ext uri="{91240B29-F687-4f45-9708-019B960494DF}">
-                <a14:hiddenLine xmlns:a14="http://schemas.microsoft.com/office/drawing/2010/main" w="9525">
+                <a14:hiddenLine xmlns:a14="http://schemas.microsoft.com/office/drawing/2010/main" xmlns="" w="9525">
                   <a:solidFill>
                     <a:srgbClr val="000000"/>
                   </a:solidFill>
@@ -17823,7 +17934,7 @@
             </a:ln>
             <a:extLst>
               <a:ext uri="{91240B29-F687-4f45-9708-019B960494DF}">
-                <a14:hiddenLine xmlns:a14="http://schemas.microsoft.com/office/drawing/2010/main" w="9525">
+                <a14:hiddenLine xmlns:a14="http://schemas.microsoft.com/office/drawing/2010/main" xmlns="" w="9525">
                   <a:solidFill>
                     <a:srgbClr val="000000"/>
                   </a:solidFill>
@@ -17975,7 +18086,7 @@
   <p:clrMapOvr>
     <a:overrideClrMapping bg1="lt1" tx1="dk1" bg2="lt2" tx2="dk2" accent1="accent1" accent2="accent2" accent3="accent3" accent4="accent4" accent5="accent5" accent6="accent6" hlink="hlink" folHlink="folHlink"/>
   </p:clrMapOvr>
-  <p:transition xmlns:p14="http://schemas.microsoft.com/office/powerpoint/2010/main">
+  <p:transition>
     <p:fade/>
   </p:transition>
 </p:sldLayout>
@@ -18228,7 +18339,7 @@
   <p:clrMapOvr>
     <a:masterClrMapping/>
   </p:clrMapOvr>
-  <p:transition xmlns:p14="http://schemas.microsoft.com/office/powerpoint/2010/main">
+  <p:transition>
     <p:fade/>
   </p:transition>
 </p:sldLayout>
@@ -18534,7 +18645,7 @@
   <p:clrMapOvr>
     <a:masterClrMapping/>
   </p:clrMapOvr>
-  <p:transition xmlns:p14="http://schemas.microsoft.com/office/powerpoint/2010/main">
+  <p:transition>
     <p:fade/>
   </p:transition>
 </p:sldLayout>
@@ -18749,7 +18860,7 @@
   <p:clrMapOvr>
     <a:masterClrMapping/>
   </p:clrMapOvr>
-  <p:transition xmlns:p14="http://schemas.microsoft.com/office/powerpoint/2010/main">
+  <p:transition>
     <p:fade/>
   </p:transition>
 </p:sldLayout>
@@ -19407,7 +19518,7 @@
   <p:clrMapOvr>
     <a:masterClrMapping/>
   </p:clrMapOvr>
-  <p:transition xmlns:p14="http://schemas.microsoft.com/office/powerpoint/2010/main">
+  <p:transition>
     <p:fade/>
   </p:transition>
 </p:sldLayout>
@@ -19568,7 +19679,7 @@
                 <a:latin typeface="Segoe UI"/>
               </a:rPr>
               <a:pPr/>
-              <a:t>7/7/16</a:t>
+              <a:t>9/9/16</a:t>
             </a:fld>
             <a:endParaRPr lang="en-US">
               <a:solidFill>
@@ -19773,7 +19884,7 @@
                 <a:latin typeface="Segoe UI"/>
               </a:rPr>
               <a:pPr/>
-              <a:t>7/7/16</a:t>
+              <a:t>9/9/16</a:t>
             </a:fld>
             <a:endParaRPr lang="en-US">
               <a:solidFill>
@@ -20255,7 +20366,7 @@
                 <a:latin typeface="Segoe UI"/>
               </a:rPr>
               <a:pPr/>
-              <a:t>7/7/16</a:t>
+              <a:t>9/9/16</a:t>
             </a:fld>
             <a:endParaRPr lang="en-US">
               <a:solidFill>
@@ -20529,7 +20640,7 @@
                 <a:latin typeface="Segoe UI"/>
               </a:rPr>
               <a:pPr/>
-              <a:t>7/7/16</a:t>
+              <a:t>9/9/16</a:t>
             </a:fld>
             <a:endParaRPr lang="en-US">
               <a:solidFill>
@@ -20930,7 +21041,7 @@
                 <a:latin typeface="Segoe UI"/>
               </a:rPr>
               <a:pPr/>
-              <a:t>7/7/16</a:t>
+              <a:t>9/9/16</a:t>
             </a:fld>
             <a:endParaRPr lang="en-US">
               <a:solidFill>
@@ -21084,7 +21195,7 @@
                 <a:latin typeface="Segoe UI"/>
               </a:rPr>
               <a:pPr/>
-              <a:t>7/7/16</a:t>
+              <a:t>9/9/16</a:t>
             </a:fld>
             <a:endParaRPr lang="en-US">
               <a:solidFill>
@@ -21216,7 +21327,7 @@
                 <a:latin typeface="Segoe UI"/>
               </a:rPr>
               <a:pPr/>
-              <a:t>7/7/16</a:t>
+              <a:t>9/9/16</a:t>
             </a:fld>
             <a:endParaRPr lang="en-US">
               <a:solidFill>
@@ -21528,7 +21639,7 @@
                 <a:latin typeface="Segoe UI"/>
               </a:rPr>
               <a:pPr/>
-              <a:t>7/7/16</a:t>
+              <a:t>9/9/16</a:t>
             </a:fld>
             <a:endParaRPr lang="en-US">
               <a:solidFill>
@@ -21817,7 +21928,7 @@
                 <a:latin typeface="Segoe UI"/>
               </a:rPr>
               <a:pPr/>
-              <a:t>7/7/16</a:t>
+              <a:t>9/9/16</a:t>
             </a:fld>
             <a:endParaRPr lang="en-US">
               <a:solidFill>
@@ -22022,7 +22133,7 @@
                 <a:latin typeface="Segoe UI"/>
               </a:rPr>
               <a:pPr/>
-              <a:t>7/7/16</a:t>
+              <a:t>9/9/16</a:t>
             </a:fld>
             <a:endParaRPr lang="en-US">
               <a:solidFill>
@@ -22237,7 +22348,7 @@
                 <a:latin typeface="Segoe UI"/>
               </a:rPr>
               <a:pPr/>
-              <a:t>7/7/16</a:t>
+              <a:t>9/9/16</a:t>
             </a:fld>
             <a:endParaRPr lang="en-US">
               <a:solidFill>
@@ -22565,7 +22676,7 @@
           <a:p>
             <a:fld id="{0459C166-16D3-4A25-A2F8-C51E0E346B22}" type="datetimeFigureOut">
               <a:rPr lang="en-US" smtClean="0"/>
-              <a:t>7/7/16</a:t>
+              <a:t>9/9/16</a:t>
             </a:fld>
             <a:endParaRPr lang="en-US"/>
           </a:p>
@@ -23055,7 +23166,7 @@
                 <a:latin typeface="Segoe UI"/>
               </a:rPr>
               <a:pPr/>
-              <a:t>7/7/16</a:t>
+              <a:t>9/9/16</a:t>
             </a:fld>
             <a:endParaRPr lang="en-US">
               <a:solidFill>
@@ -23260,7 +23371,7 @@
                 <a:latin typeface="Segoe UI"/>
               </a:rPr>
               <a:pPr/>
-              <a:t>7/7/16</a:t>
+              <a:t>9/9/16</a:t>
             </a:fld>
             <a:endParaRPr lang="en-US">
               <a:solidFill>
@@ -23560,7 +23671,7 @@
                 <a:latin typeface="Segoe UI"/>
               </a:rPr>
               <a:pPr/>
-              <a:t>7/7/16</a:t>
+              <a:t>9/9/16</a:t>
             </a:fld>
             <a:endParaRPr lang="en-US">
               <a:solidFill>
@@ -23834,7 +23945,7 @@
                 <a:latin typeface="Segoe UI"/>
               </a:rPr>
               <a:pPr/>
-              <a:t>7/7/16</a:t>
+              <a:t>9/9/16</a:t>
             </a:fld>
             <a:endParaRPr lang="en-US">
               <a:solidFill>
@@ -24235,7 +24346,7 @@
                 <a:latin typeface="Segoe UI"/>
               </a:rPr>
               <a:pPr/>
-              <a:t>7/7/16</a:t>
+              <a:t>9/9/16</a:t>
             </a:fld>
             <a:endParaRPr lang="en-US">
               <a:solidFill>
@@ -24389,7 +24500,7 @@
                 <a:latin typeface="Segoe UI"/>
               </a:rPr>
               <a:pPr/>
-              <a:t>7/7/16</a:t>
+              <a:t>9/9/16</a:t>
             </a:fld>
             <a:endParaRPr lang="en-US">
               <a:solidFill>
@@ -24521,7 +24632,7 @@
                 <a:latin typeface="Segoe UI"/>
               </a:rPr>
               <a:pPr/>
-              <a:t>7/7/16</a:t>
+              <a:t>9/9/16</a:t>
             </a:fld>
             <a:endParaRPr lang="en-US">
               <a:solidFill>
@@ -24833,7 +24944,7 @@
                 <a:latin typeface="Segoe UI"/>
               </a:rPr>
               <a:pPr/>
-              <a:t>7/7/16</a:t>
+              <a:t>9/9/16</a:t>
             </a:fld>
             <a:endParaRPr lang="en-US">
               <a:solidFill>
@@ -25122,7 +25233,7 @@
                 <a:latin typeface="Segoe UI"/>
               </a:rPr>
               <a:pPr/>
-              <a:t>7/7/16</a:t>
+              <a:t>9/9/16</a:t>
             </a:fld>
             <a:endParaRPr lang="en-US">
               <a:solidFill>
@@ -25327,7 +25438,7 @@
                 <a:latin typeface="Segoe UI"/>
               </a:rPr>
               <a:pPr/>
-              <a:t>7/7/16</a:t>
+              <a:t>9/9/16</a:t>
             </a:fld>
             <a:endParaRPr lang="en-US">
               <a:solidFill>
@@ -25474,7 +25585,7 @@
           <a:p>
             <a:fld id="{0459C166-16D3-4A25-A2F8-C51E0E346B22}" type="datetimeFigureOut">
               <a:rPr lang="en-US" smtClean="0"/>
-              <a:t>7/7/16</a:t>
+              <a:t>9/9/16</a:t>
             </a:fld>
             <a:endParaRPr lang="en-US"/>
           </a:p>
@@ -25934,7 +26045,7 @@
                 <a:latin typeface="Segoe UI"/>
               </a:rPr>
               <a:pPr/>
-              <a:t>7/7/16</a:t>
+              <a:t>9/9/16</a:t>
             </a:fld>
             <a:endParaRPr lang="en-US">
               <a:solidFill>
@@ -26650,7 +26761,7 @@
           <a:p>
             <a:fld id="{0459C166-16D3-4A25-A2F8-C51E0E346B22}" type="datetimeFigureOut">
               <a:rPr lang="en-US" smtClean="0"/>
-              <a:t>7/7/16</a:t>
+              <a:t>9/9/16</a:t>
             </a:fld>
             <a:endParaRPr lang="en-US"/>
           </a:p>
@@ -26861,7 +26972,7 @@
           <a:p>
             <a:fld id="{0459C166-16D3-4A25-A2F8-C51E0E346B22}" type="datetimeFigureOut">
               <a:rPr lang="en-US" smtClean="0"/>
-              <a:t>7/7/16</a:t>
+              <a:t>9/9/16</a:t>
             </a:fld>
             <a:endParaRPr lang="en-US"/>
           </a:p>
@@ -27405,7 +27516,7 @@
     <p:sldLayoutId id="2147483685" r:id="rId20"/>
     <p:sldLayoutId id="2147483686" r:id="rId21"/>
   </p:sldLayoutIdLst>
-  <p:transition xmlns:p14="http://schemas.microsoft.com/office/powerpoint/2010/main">
+  <p:transition>
     <p:fade/>
   </p:transition>
   <p:txStyles>
@@ -27895,7 +28006,7 @@
                 <a:latin typeface="Segoe UI"/>
               </a:rPr>
               <a:pPr/>
-              <a:t>7/7/16</a:t>
+              <a:t>9/9/16</a:t>
             </a:fld>
             <a:endParaRPr lang="en-US">
               <a:solidFill>
@@ -28471,7 +28582,7 @@
                 <a:latin typeface="Segoe UI"/>
               </a:rPr>
               <a:pPr/>
-              <a:t>7/7/16</a:t>
+              <a:t>9/9/16</a:t>
             </a:fld>
             <a:endParaRPr lang="en-US">
               <a:solidFill>
@@ -29060,14 +29171,14 @@
           </a:ln>
           <a:extLst>
             <a:ext uri="{909E8E84-426E-40dd-AFC4-6F175D3DCCD1}">
-              <a14:hiddenFill xmlns:a14="http://schemas.microsoft.com/office/drawing/2010/main">
+              <a14:hiddenFill xmlns:a14="http://schemas.microsoft.com/office/drawing/2010/main" xmlns="">
                 <a:solidFill>
                   <a:srgbClr val="FFFFFF"/>
                 </a:solidFill>
               </a14:hiddenFill>
             </a:ext>
             <a:ext uri="{91240B29-F687-4f45-9708-019B960494DF}">
-              <a14:hiddenLine xmlns:a14="http://schemas.microsoft.com/office/drawing/2010/main" w="9525">
+              <a14:hiddenLine xmlns:a14="http://schemas.microsoft.com/office/drawing/2010/main" xmlns="" w="9525">
                 <a:solidFill>
                   <a:srgbClr val="000000"/>
                 </a:solidFill>
@@ -29286,14 +29397,14 @@
           </a:ln>
           <a:extLst>
             <a:ext uri="{909E8E84-426E-40dd-AFC4-6F175D3DCCD1}">
-              <a14:hiddenFill xmlns:a14="http://schemas.microsoft.com/office/drawing/2010/main">
+              <a14:hiddenFill xmlns:a14="http://schemas.microsoft.com/office/drawing/2010/main" xmlns="">
                 <a:solidFill>
                   <a:srgbClr val="FFFFFF"/>
                 </a:solidFill>
               </a14:hiddenFill>
             </a:ext>
             <a:ext uri="{91240B29-F687-4f45-9708-019B960494DF}">
-              <a14:hiddenLine xmlns:a14="http://schemas.microsoft.com/office/drawing/2010/main" w="9525">
+              <a14:hiddenLine xmlns:a14="http://schemas.microsoft.com/office/drawing/2010/main" xmlns="" w="9525">
                 <a:solidFill>
                   <a:srgbClr val="000000"/>
                 </a:solidFill>
@@ -30282,7 +30393,7 @@
   <p:clrMapOvr>
     <a:masterClrMapping/>
   </p:clrMapOvr>
-  <p:transition xmlns:p14="http://schemas.microsoft.com/office/powerpoint/2010/main" spd="slow"/>
+  <p:transition spd="slow"/>
 </p:sld>
 </file>
 
@@ -30354,14 +30465,14 @@
           </a:ln>
           <a:extLst>
             <a:ext uri="{909E8E84-426E-40dd-AFC4-6F175D3DCCD1}">
-              <a14:hiddenFill xmlns:a14="http://schemas.microsoft.com/office/drawing/2010/main">
+              <a14:hiddenFill xmlns:a14="http://schemas.microsoft.com/office/drawing/2010/main" xmlns="">
                 <a:solidFill>
                   <a:srgbClr val="FFFFFF"/>
                 </a:solidFill>
               </a14:hiddenFill>
             </a:ext>
             <a:ext uri="{91240B29-F687-4f45-9708-019B960494DF}">
-              <a14:hiddenLine xmlns:a14="http://schemas.microsoft.com/office/drawing/2010/main" w="9525">
+              <a14:hiddenLine xmlns:a14="http://schemas.microsoft.com/office/drawing/2010/main" xmlns="" w="9525">
                 <a:solidFill>
                   <a:srgbClr val="000000"/>
                 </a:solidFill>
@@ -30580,14 +30691,14 @@
           </a:ln>
           <a:extLst>
             <a:ext uri="{909E8E84-426E-40dd-AFC4-6F175D3DCCD1}">
-              <a14:hiddenFill xmlns:a14="http://schemas.microsoft.com/office/drawing/2010/main">
+              <a14:hiddenFill xmlns:a14="http://schemas.microsoft.com/office/drawing/2010/main" xmlns="">
                 <a:solidFill>
                   <a:srgbClr val="FFFFFF"/>
                 </a:solidFill>
               </a14:hiddenFill>
             </a:ext>
             <a:ext uri="{91240B29-F687-4f45-9708-019B960494DF}">
-              <a14:hiddenLine xmlns:a14="http://schemas.microsoft.com/office/drawing/2010/main" w="9525">
+              <a14:hiddenLine xmlns:a14="http://schemas.microsoft.com/office/drawing/2010/main" xmlns="" w="9525">
                 <a:solidFill>
                   <a:srgbClr val="000000"/>
                 </a:solidFill>
@@ -30806,14 +30917,14 @@
           </a:ln>
           <a:extLst>
             <a:ext uri="{909E8E84-426E-40dd-AFC4-6F175D3DCCD1}">
-              <a14:hiddenFill xmlns:a14="http://schemas.microsoft.com/office/drawing/2010/main">
+              <a14:hiddenFill xmlns:a14="http://schemas.microsoft.com/office/drawing/2010/main" xmlns="">
                 <a:solidFill>
                   <a:srgbClr val="FFFFFF"/>
                 </a:solidFill>
               </a14:hiddenFill>
             </a:ext>
             <a:ext uri="{91240B29-F687-4f45-9708-019B960494DF}">
-              <a14:hiddenLine xmlns:a14="http://schemas.microsoft.com/office/drawing/2010/main" w="9525">
+              <a14:hiddenLine xmlns:a14="http://schemas.microsoft.com/office/drawing/2010/main" xmlns="" w="9525">
                 <a:solidFill>
                   <a:srgbClr val="000000"/>
                 </a:solidFill>
@@ -31032,14 +31143,14 @@
           </a:ln>
           <a:extLst>
             <a:ext uri="{909E8E84-426E-40dd-AFC4-6F175D3DCCD1}">
-              <a14:hiddenFill xmlns:a14="http://schemas.microsoft.com/office/drawing/2010/main">
+              <a14:hiddenFill xmlns:a14="http://schemas.microsoft.com/office/drawing/2010/main" xmlns="">
                 <a:solidFill>
                   <a:srgbClr val="FFFFFF"/>
                 </a:solidFill>
               </a14:hiddenFill>
             </a:ext>
             <a:ext uri="{91240B29-F687-4f45-9708-019B960494DF}">
-              <a14:hiddenLine xmlns:a14="http://schemas.microsoft.com/office/drawing/2010/main" w="9525">
+              <a14:hiddenLine xmlns:a14="http://schemas.microsoft.com/office/drawing/2010/main" xmlns="" w="9525">
                 <a:solidFill>
                   <a:srgbClr val="000000"/>
                 </a:solidFill>
@@ -31258,14 +31369,14 @@
           </a:ln>
           <a:extLst>
             <a:ext uri="{909E8E84-426E-40dd-AFC4-6F175D3DCCD1}">
-              <a14:hiddenFill xmlns:a14="http://schemas.microsoft.com/office/drawing/2010/main">
+              <a14:hiddenFill xmlns:a14="http://schemas.microsoft.com/office/drawing/2010/main" xmlns="">
                 <a:solidFill>
                   <a:srgbClr val="FFFFFF"/>
                 </a:solidFill>
               </a14:hiddenFill>
             </a:ext>
             <a:ext uri="{91240B29-F687-4f45-9708-019B960494DF}">
-              <a14:hiddenLine xmlns:a14="http://schemas.microsoft.com/office/drawing/2010/main" w="9525">
+              <a14:hiddenLine xmlns:a14="http://schemas.microsoft.com/office/drawing/2010/main" xmlns="" w="9525">
                 <a:solidFill>
                   <a:srgbClr val="000000"/>
                 </a:solidFill>
@@ -31414,14 +31525,14 @@
           </a:ln>
           <a:extLst>
             <a:ext uri="{909E8E84-426E-40dd-AFC4-6F175D3DCCD1}">
-              <a14:hiddenFill xmlns:a14="http://schemas.microsoft.com/office/drawing/2010/main">
+              <a14:hiddenFill xmlns:a14="http://schemas.microsoft.com/office/drawing/2010/main" xmlns="">
                 <a:solidFill>
                   <a:srgbClr val="FFFFFF"/>
                 </a:solidFill>
               </a14:hiddenFill>
             </a:ext>
             <a:ext uri="{91240B29-F687-4f45-9708-019B960494DF}">
-              <a14:hiddenLine xmlns:a14="http://schemas.microsoft.com/office/drawing/2010/main" w="9525">
+              <a14:hiddenLine xmlns:a14="http://schemas.microsoft.com/office/drawing/2010/main" xmlns="" w="9525">
                 <a:solidFill>
                   <a:srgbClr val="000000"/>
                 </a:solidFill>
@@ -32517,7 +32628,7 @@
   <p:clrMapOvr>
     <a:masterClrMapping/>
   </p:clrMapOvr>
-  <p:transition xmlns:p14="http://schemas.microsoft.com/office/powerpoint/2010/main" spd="slow"/>
+  <p:transition spd="slow"/>
 </p:sld>
 </file>
 
@@ -36879,14 +36990,14 @@
                 <a:gridCol w="5533314">
                   <a:extLst>
                     <a:ext uri="{9D8B030D-6E8A-4147-A177-3AD203B41FA5}">
-                      <a16:colId xmlns="" xmlns:a16="http://schemas.microsoft.com/office/drawing/2014/main" val="48614039"/>
+                      <a16:colId xmlns:a16="http://schemas.microsoft.com/office/drawing/2014/main" xmlns="" val="48614039"/>
                     </a:ext>
                   </a:extLst>
                 </a:gridCol>
                 <a:gridCol w="5533314">
                   <a:extLst>
                     <a:ext uri="{9D8B030D-6E8A-4147-A177-3AD203B41FA5}">
-                      <a16:colId xmlns="" xmlns:a16="http://schemas.microsoft.com/office/drawing/2014/main" val="1124546490"/>
+                      <a16:colId xmlns:a16="http://schemas.microsoft.com/office/drawing/2014/main" xmlns="" val="1124546490"/>
                     </a:ext>
                   </a:extLst>
                 </a:gridCol>
@@ -36938,7 +37049,7 @@
                 </a:tc>
                 <a:extLst>
                   <a:ext uri="{0D108BD9-81ED-4DB2-BD59-A6C34878D82A}">
-                    <a16:rowId xmlns="" xmlns:a16="http://schemas.microsoft.com/office/drawing/2014/main" val="679667022"/>
+                    <a16:rowId xmlns:a16="http://schemas.microsoft.com/office/drawing/2014/main" xmlns="" val="679667022"/>
                   </a:ext>
                 </a:extLst>
               </a:tr>
@@ -36985,7 +37096,7 @@
                 </a:tc>
                 <a:extLst>
                   <a:ext uri="{0D108BD9-81ED-4DB2-BD59-A6C34878D82A}">
-                    <a16:rowId xmlns="" xmlns:a16="http://schemas.microsoft.com/office/drawing/2014/main" val="2034482246"/>
+                    <a16:rowId xmlns:a16="http://schemas.microsoft.com/office/drawing/2014/main" xmlns="" val="2034482246"/>
                   </a:ext>
                 </a:extLst>
               </a:tr>
@@ -37037,7 +37148,7 @@
                 </a:tc>
                 <a:extLst>
                   <a:ext uri="{0D108BD9-81ED-4DB2-BD59-A6C34878D82A}">
-                    <a16:rowId xmlns="" xmlns:a16="http://schemas.microsoft.com/office/drawing/2014/main" val="682465758"/>
+                    <a16:rowId xmlns:a16="http://schemas.microsoft.com/office/drawing/2014/main" xmlns="" val="682465758"/>
                   </a:ext>
                 </a:extLst>
               </a:tr>
@@ -37096,7 +37207,7 @@
                 </a:tc>
                 <a:extLst>
                   <a:ext uri="{0D108BD9-81ED-4DB2-BD59-A6C34878D82A}">
-                    <a16:rowId xmlns="" xmlns:a16="http://schemas.microsoft.com/office/drawing/2014/main" val="4230228483"/>
+                    <a16:rowId xmlns:a16="http://schemas.microsoft.com/office/drawing/2014/main" xmlns="" val="4230228483"/>
                   </a:ext>
                 </a:extLst>
               </a:tr>
@@ -37874,14 +37985,14 @@
                 <a:gridCol w="4519730">
                   <a:extLst>
                     <a:ext uri="{9D8B030D-6E8A-4147-A177-3AD203B41FA5}">
-                      <a16:colId xmlns="" xmlns:a16="http://schemas.microsoft.com/office/drawing/2014/main" val="48614039"/>
+                      <a16:colId xmlns:a16="http://schemas.microsoft.com/office/drawing/2014/main" xmlns="" val="48614039"/>
                     </a:ext>
                   </a:extLst>
                 </a:gridCol>
                 <a:gridCol w="6546898">
                   <a:extLst>
                     <a:ext uri="{9D8B030D-6E8A-4147-A177-3AD203B41FA5}">
-                      <a16:colId xmlns="" xmlns:a16="http://schemas.microsoft.com/office/drawing/2014/main" val="1124546490"/>
+                      <a16:colId xmlns:a16="http://schemas.microsoft.com/office/drawing/2014/main" xmlns="" val="1124546490"/>
                     </a:ext>
                   </a:extLst>
                 </a:gridCol>
@@ -37933,7 +38044,7 @@
                 </a:tc>
                 <a:extLst>
                   <a:ext uri="{0D108BD9-81ED-4DB2-BD59-A6C34878D82A}">
-                    <a16:rowId xmlns="" xmlns:a16="http://schemas.microsoft.com/office/drawing/2014/main" val="679667022"/>
+                    <a16:rowId xmlns:a16="http://schemas.microsoft.com/office/drawing/2014/main" xmlns="" val="679667022"/>
                   </a:ext>
                 </a:extLst>
               </a:tr>
@@ -37986,7 +38097,7 @@
                 </a:tc>
                 <a:extLst>
                   <a:ext uri="{0D108BD9-81ED-4DB2-BD59-A6C34878D82A}">
-                    <a16:rowId xmlns="" xmlns:a16="http://schemas.microsoft.com/office/drawing/2014/main" val="2034482246"/>
+                    <a16:rowId xmlns:a16="http://schemas.microsoft.com/office/drawing/2014/main" xmlns="" val="2034482246"/>
                   </a:ext>
                 </a:extLst>
               </a:tr>
@@ -38050,7 +38161,7 @@
                 </a:tc>
                 <a:extLst>
                   <a:ext uri="{0D108BD9-81ED-4DB2-BD59-A6C34878D82A}">
-                    <a16:rowId xmlns="" xmlns:a16="http://schemas.microsoft.com/office/drawing/2014/main" val="682465758"/>
+                    <a16:rowId xmlns:a16="http://schemas.microsoft.com/office/drawing/2014/main" xmlns="" val="682465758"/>
                   </a:ext>
                 </a:extLst>
               </a:tr>
@@ -38098,7 +38209,7 @@
                 </a:tc>
                 <a:extLst>
                   <a:ext uri="{0D108BD9-81ED-4DB2-BD59-A6C34878D82A}">
-                    <a16:rowId xmlns="" xmlns:a16="http://schemas.microsoft.com/office/drawing/2014/main" val="4230228483"/>
+                    <a16:rowId xmlns:a16="http://schemas.microsoft.com/office/drawing/2014/main" xmlns="" val="4230228483"/>
                   </a:ext>
                 </a:extLst>
               </a:tr>
@@ -38155,7 +38266,7 @@
                 </a:tc>
                 <a:extLst>
                   <a:ext uri="{0D108BD9-81ED-4DB2-BD59-A6C34878D82A}">
-                    <a16:rowId xmlns="" xmlns:a16="http://schemas.microsoft.com/office/drawing/2014/main" val="3329658239"/>
+                    <a16:rowId xmlns:a16="http://schemas.microsoft.com/office/drawing/2014/main" xmlns="" val="3329658239"/>
                   </a:ext>
                 </a:extLst>
               </a:tr>
@@ -38208,7 +38319,7 @@
                 </a:tc>
                 <a:extLst>
                   <a:ext uri="{0D108BD9-81ED-4DB2-BD59-A6C34878D82A}">
-                    <a16:rowId xmlns="" xmlns:a16="http://schemas.microsoft.com/office/drawing/2014/main" val="10005"/>
+                    <a16:rowId xmlns:a16="http://schemas.microsoft.com/office/drawing/2014/main" xmlns="" val="10005"/>
                   </a:ext>
                 </a:extLst>
               </a:tr>
@@ -38482,14 +38593,14 @@
                 <a:gridCol w="4519730">
                   <a:extLst>
                     <a:ext uri="{9D8B030D-6E8A-4147-A177-3AD203B41FA5}">
-                      <a16:colId xmlns="" xmlns:a16="http://schemas.microsoft.com/office/drawing/2014/main" val="48614039"/>
+                      <a16:colId xmlns:a16="http://schemas.microsoft.com/office/drawing/2014/main" xmlns="" val="48614039"/>
                     </a:ext>
                   </a:extLst>
                 </a:gridCol>
                 <a:gridCol w="6546898">
                   <a:extLst>
                     <a:ext uri="{9D8B030D-6E8A-4147-A177-3AD203B41FA5}">
-                      <a16:colId xmlns="" xmlns:a16="http://schemas.microsoft.com/office/drawing/2014/main" val="1124546490"/>
+                      <a16:colId xmlns:a16="http://schemas.microsoft.com/office/drawing/2014/main" xmlns="" val="1124546490"/>
                     </a:ext>
                   </a:extLst>
                 </a:gridCol>
@@ -38541,7 +38652,7 @@
                 </a:tc>
                 <a:extLst>
                   <a:ext uri="{0D108BD9-81ED-4DB2-BD59-A6C34878D82A}">
-                    <a16:rowId xmlns="" xmlns:a16="http://schemas.microsoft.com/office/drawing/2014/main" val="679667022"/>
+                    <a16:rowId xmlns:a16="http://schemas.microsoft.com/office/drawing/2014/main" xmlns="" val="679667022"/>
                   </a:ext>
                 </a:extLst>
               </a:tr>
@@ -38594,7 +38705,7 @@
                 </a:tc>
                 <a:extLst>
                   <a:ext uri="{0D108BD9-81ED-4DB2-BD59-A6C34878D82A}">
-                    <a16:rowId xmlns="" xmlns:a16="http://schemas.microsoft.com/office/drawing/2014/main" val="2034482246"/>
+                    <a16:rowId xmlns:a16="http://schemas.microsoft.com/office/drawing/2014/main" xmlns="" val="2034482246"/>
                   </a:ext>
                 </a:extLst>
               </a:tr>
@@ -38646,7 +38757,7 @@
                 </a:tc>
                 <a:extLst>
                   <a:ext uri="{0D108BD9-81ED-4DB2-BD59-A6C34878D82A}">
-                    <a16:rowId xmlns="" xmlns:a16="http://schemas.microsoft.com/office/drawing/2014/main" val="682465758"/>
+                    <a16:rowId xmlns:a16="http://schemas.microsoft.com/office/drawing/2014/main" xmlns="" val="682465758"/>
                   </a:ext>
                 </a:extLst>
               </a:tr>
@@ -38697,7 +38808,7 @@
                 </a:tc>
                 <a:extLst>
                   <a:ext uri="{0D108BD9-81ED-4DB2-BD59-A6C34878D82A}">
-                    <a16:rowId xmlns="" xmlns:a16="http://schemas.microsoft.com/office/drawing/2014/main" val="4230228483"/>
+                    <a16:rowId xmlns:a16="http://schemas.microsoft.com/office/drawing/2014/main" xmlns="" val="4230228483"/>
                   </a:ext>
                 </a:extLst>
               </a:tr>
@@ -38750,7 +38861,7 @@
                 </a:tc>
                 <a:extLst>
                   <a:ext uri="{0D108BD9-81ED-4DB2-BD59-A6C34878D82A}">
-                    <a16:rowId xmlns="" xmlns:a16="http://schemas.microsoft.com/office/drawing/2014/main" val="3329658239"/>
+                    <a16:rowId xmlns:a16="http://schemas.microsoft.com/office/drawing/2014/main" xmlns="" val="3329658239"/>
                   </a:ext>
                 </a:extLst>
               </a:tr>
@@ -38802,7 +38913,7 @@
                 </a:tc>
                 <a:extLst>
                   <a:ext uri="{0D108BD9-81ED-4DB2-BD59-A6C34878D82A}">
-                    <a16:rowId xmlns="" xmlns:a16="http://schemas.microsoft.com/office/drawing/2014/main" val="10005"/>
+                    <a16:rowId xmlns:a16="http://schemas.microsoft.com/office/drawing/2014/main" xmlns="" val="10005"/>
                   </a:ext>
                 </a:extLst>
               </a:tr>
@@ -44007,7 +44118,7 @@
   <p:clrMapOvr>
     <a:masterClrMapping/>
   </p:clrMapOvr>
-  <p:transition xmlns:p14="http://schemas.microsoft.com/office/powerpoint/2010/main" spd="slow"/>
+  <p:transition spd="slow"/>
 </p:sld>
 </file>
 
@@ -44462,7 +44573,7 @@
   <p:clrMapOvr>
     <a:masterClrMapping/>
   </p:clrMapOvr>
-  <p:transition xmlns:p14="http://schemas.microsoft.com/office/powerpoint/2010/main" spd="slow"/>
+  <p:transition spd="slow"/>
 </p:sld>
 </file>
 
@@ -44981,7 +45092,7 @@
   <p:clrMapOvr>
     <a:masterClrMapping/>
   </p:clrMapOvr>
-  <p:transition xmlns:p14="http://schemas.microsoft.com/office/powerpoint/2010/main" spd="slow"/>
+  <p:transition spd="slow"/>
 </p:sld>
 </file>
 
@@ -45563,7 +45674,7 @@
   <a:extraClrSchemeLst/>
   <a:extLst>
     <a:ext uri="{05A4C25C-085E-4340-85A3-A5531E510DB2}">
-      <thm15:themeFamily xmlns="" xmlns:thm15="http://schemas.microsoft.com/office/thememl/2012/main" name="Office Theme" id="{62F939B6-93AF-4DB8-9C6B-D6C7DFDC589F}" vid="{4A3C46E8-61CC-4603-A589-7422A47A8E4A}"/>
+      <thm15:themeFamily xmlns:thm15="http://schemas.microsoft.com/office/thememl/2012/main" name="Office Theme" id="{62F939B6-93AF-4DB8-9C6B-D6C7DFDC589F}" vid="{4A3C46E8-61CC-4603-A589-7422A47A8E4A}"/>
     </a:ext>
   </a:extLst>
 </a:theme>
@@ -45896,7 +46007,7 @@
   <a:extraClrSchemeLst/>
   <a:extLst>
     <a:ext uri="{05A4C25C-085E-4340-85A3-A5531E510DB2}">
-      <thm15:themeFamily xmlns="" xmlns:thm15="http://schemas.microsoft.com/office/thememl/2012/main" name="Azure4ResearchTemplate" id="{DD1C6CE8-BDBA-0D4F-9930-3643ABC8EF0E}" vid="{B5C66FD7-0952-994B-96D6-AB3BB89097FE}"/>
+      <thm15:themeFamily xmlns:thm15="http://schemas.microsoft.com/office/thememl/2012/main" name="Azure4ResearchTemplate" id="{DD1C6CE8-BDBA-0D4F-9930-3643ABC8EF0E}" vid="{B5C66FD7-0952-994B-96D6-AB3BB89097FE}"/>
     </a:ext>
   </a:extLst>
 </a:theme>
@@ -46097,7 +46208,7 @@
   <a:extraClrSchemeLst/>
   <a:extLst>
     <a:ext uri="{05A4C25C-085E-4340-85A3-A5531E510DB2}">
-      <thm15:themeFamily xmlns="" xmlns:thm15="http://schemas.microsoft.com/office/thememl/2012/main" name="Office Theme" id="{62F939B6-93AF-4DB8-9C6B-D6C7DFDC589F}" vid="{4A3C46E8-61CC-4603-A589-7422A47A8E4A}"/>
+      <thm15:themeFamily xmlns:thm15="http://schemas.microsoft.com/office/thememl/2012/main" name="Office Theme" id="{62F939B6-93AF-4DB8-9C6B-D6C7DFDC589F}" vid="{4A3C46E8-61CC-4603-A589-7422A47A8E4A}"/>
     </a:ext>
   </a:extLst>
 </a:theme>
@@ -46298,7 +46409,7 @@
   <a:extraClrSchemeLst/>
   <a:extLst>
     <a:ext uri="{05A4C25C-085E-4340-85A3-A5531E510DB2}">
-      <thm15:themeFamily xmlns="" xmlns:thm15="http://schemas.microsoft.com/office/thememl/2012/main" name="Office Theme" id="{62F939B6-93AF-4DB8-9C6B-D6C7DFDC589F}" vid="{4A3C46E8-61CC-4603-A589-7422A47A8E4A}"/>
+      <thm15:themeFamily xmlns:thm15="http://schemas.microsoft.com/office/thememl/2012/main" name="Office Theme" id="{62F939B6-93AF-4DB8-9C6B-D6C7DFDC589F}" vid="{4A3C46E8-61CC-4603-A589-7422A47A8E4A}"/>
     </a:ext>
   </a:extLst>
 </a:theme>
@@ -46593,7 +46704,7 @@
   <a:extraClrSchemeLst/>
   <a:extLst>
     <a:ext uri="{05A4C25C-085E-4340-85A3-A5531E510DB2}">
-      <thm15:themeFamily xmlns="" xmlns:thm15="http://schemas.microsoft.com/office/thememl/2012/main" name="Office Theme" id="{62F939B6-93AF-4DB8-9C6B-D6C7DFDC589F}" vid="{4A3C46E8-61CC-4603-A589-7422A47A8E4A}"/>
+      <thm15:themeFamily xmlns:thm15="http://schemas.microsoft.com/office/thememl/2012/main" name="Office Theme" id="{62F939B6-93AF-4DB8-9C6B-D6C7DFDC589F}" vid="{4A3C46E8-61CC-4603-A589-7422A47A8E4A}"/>
     </a:ext>
   </a:extLst>
 </a:theme>
